--- a/reports/network.pptx
+++ b/reports/network.pptx
@@ -2,18 +2,18 @@
 <file path=ppt/presentation.xml><?xml version="1.0" encoding="utf-8"?>
 <p:presentation xmlns:a="http://schemas.openxmlformats.org/drawingml/2006/main" xmlns:r="http://schemas.openxmlformats.org/officeDocument/2006/relationships" xmlns:p="http://schemas.openxmlformats.org/presentationml/2006/main" saveSubsetFonts="1">
   <p:sldMasterIdLst>
-    <p:sldMasterId id="2147483648" r:id="rId1"/>
+    <p:sldMasterId id="2147483660" r:id="rId1"/>
   </p:sldMasterIdLst>
   <p:sldIdLst>
     <p:sldId id="260" r:id="rId2"/>
   </p:sldIdLst>
-  <p:sldSz cx="12192000" cy="6858000"/>
+  <p:sldSz cx="7315200" cy="7315200"/>
   <p:notesSz cx="6858000" cy="9144000"/>
   <p:defaultTextStyle>
     <a:defPPr>
       <a:defRPr lang="en-US"/>
     </a:defPPr>
-    <a:lvl1pPr marL="0" algn="l" defTabSz="914400" rtl="0" eaLnBrk="1" latinLnBrk="0" hangingPunct="1">
+    <a:lvl1pPr marL="0" algn="l" defTabSz="914385" rtl="0" eaLnBrk="1" latinLnBrk="0" hangingPunct="1">
       <a:defRPr sz="1800" kern="1200">
         <a:solidFill>
           <a:schemeClr val="tx1"/>
@@ -23,7 +23,7 @@
         <a:cs typeface="+mn-cs"/>
       </a:defRPr>
     </a:lvl1pPr>
-    <a:lvl2pPr marL="457200" algn="l" defTabSz="914400" rtl="0" eaLnBrk="1" latinLnBrk="0" hangingPunct="1">
+    <a:lvl2pPr marL="457193" algn="l" defTabSz="914385" rtl="0" eaLnBrk="1" latinLnBrk="0" hangingPunct="1">
       <a:defRPr sz="1800" kern="1200">
         <a:solidFill>
           <a:schemeClr val="tx1"/>
@@ -33,7 +33,7 @@
         <a:cs typeface="+mn-cs"/>
       </a:defRPr>
     </a:lvl2pPr>
-    <a:lvl3pPr marL="914400" algn="l" defTabSz="914400" rtl="0" eaLnBrk="1" latinLnBrk="0" hangingPunct="1">
+    <a:lvl3pPr marL="914385" algn="l" defTabSz="914385" rtl="0" eaLnBrk="1" latinLnBrk="0" hangingPunct="1">
       <a:defRPr sz="1800" kern="1200">
         <a:solidFill>
           <a:schemeClr val="tx1"/>
@@ -43,7 +43,7 @@
         <a:cs typeface="+mn-cs"/>
       </a:defRPr>
     </a:lvl3pPr>
-    <a:lvl4pPr marL="1371600" algn="l" defTabSz="914400" rtl="0" eaLnBrk="1" latinLnBrk="0" hangingPunct="1">
+    <a:lvl4pPr marL="1371578" algn="l" defTabSz="914385" rtl="0" eaLnBrk="1" latinLnBrk="0" hangingPunct="1">
       <a:defRPr sz="1800" kern="1200">
         <a:solidFill>
           <a:schemeClr val="tx1"/>
@@ -53,7 +53,7 @@
         <a:cs typeface="+mn-cs"/>
       </a:defRPr>
     </a:lvl4pPr>
-    <a:lvl5pPr marL="1828800" algn="l" defTabSz="914400" rtl="0" eaLnBrk="1" latinLnBrk="0" hangingPunct="1">
+    <a:lvl5pPr marL="1828771" algn="l" defTabSz="914385" rtl="0" eaLnBrk="1" latinLnBrk="0" hangingPunct="1">
       <a:defRPr sz="1800" kern="1200">
         <a:solidFill>
           <a:schemeClr val="tx1"/>
@@ -63,7 +63,7 @@
         <a:cs typeface="+mn-cs"/>
       </a:defRPr>
     </a:lvl5pPr>
-    <a:lvl6pPr marL="2286000" algn="l" defTabSz="914400" rtl="0" eaLnBrk="1" latinLnBrk="0" hangingPunct="1">
+    <a:lvl6pPr marL="2285963" algn="l" defTabSz="914385" rtl="0" eaLnBrk="1" latinLnBrk="0" hangingPunct="1">
       <a:defRPr sz="1800" kern="1200">
         <a:solidFill>
           <a:schemeClr val="tx1"/>
@@ -73,7 +73,7 @@
         <a:cs typeface="+mn-cs"/>
       </a:defRPr>
     </a:lvl6pPr>
-    <a:lvl7pPr marL="2743200" algn="l" defTabSz="914400" rtl="0" eaLnBrk="1" latinLnBrk="0" hangingPunct="1">
+    <a:lvl7pPr marL="2743156" algn="l" defTabSz="914385" rtl="0" eaLnBrk="1" latinLnBrk="0" hangingPunct="1">
       <a:defRPr sz="1800" kern="1200">
         <a:solidFill>
           <a:schemeClr val="tx1"/>
@@ -83,7 +83,7 @@
         <a:cs typeface="+mn-cs"/>
       </a:defRPr>
     </a:lvl7pPr>
-    <a:lvl8pPr marL="3200400" algn="l" defTabSz="914400" rtl="0" eaLnBrk="1" latinLnBrk="0" hangingPunct="1">
+    <a:lvl8pPr marL="3200349" algn="l" defTabSz="914385" rtl="0" eaLnBrk="1" latinLnBrk="0" hangingPunct="1">
       <a:defRPr sz="1800" kern="1200">
         <a:solidFill>
           <a:schemeClr val="tx1"/>
@@ -93,7 +93,7 @@
         <a:cs typeface="+mn-cs"/>
       </a:defRPr>
     </a:lvl8pPr>
-    <a:lvl9pPr marL="3657600" algn="l" defTabSz="914400" rtl="0" eaLnBrk="1" latinLnBrk="0" hangingPunct="1">
+    <a:lvl9pPr marL="3657541" algn="l" defTabSz="914385" rtl="0" eaLnBrk="1" latinLnBrk="0" hangingPunct="1">
       <a:defRPr sz="1800" kern="1200">
         <a:solidFill>
           <a:schemeClr val="tx1"/>
@@ -104,6 +104,22 @@
       </a:defRPr>
     </a:lvl9pPr>
   </p:defaultTextStyle>
+  <p:extLst>
+    <p:ext uri="{EFAFB233-063F-42B5-8137-9DF3F51BA10A}">
+      <p15:sldGuideLst xmlns:p15="http://schemas.microsoft.com/office/powerpoint/2012/main">
+        <p15:guide id="1" orient="horz" pos="2304" userDrawn="1">
+          <p15:clr>
+            <a:srgbClr val="A4A3A4"/>
+          </p15:clr>
+        </p15:guide>
+        <p15:guide id="2" pos="2304" userDrawn="1">
+          <p15:clr>
+            <a:srgbClr val="A4A3A4"/>
+          </p15:clr>
+        </p15:guide>
+      </p15:sldGuideLst>
+    </p:ext>
+  </p:extLst>
 </p:presentation>
 </file>
 
@@ -136,15 +152,15 @@
         </p:nvSpPr>
         <p:spPr>
           <a:xfrm>
-            <a:off x="1524000" y="1122363"/>
-            <a:ext cx="9144000" cy="2387600"/>
+            <a:off x="548640" y="1197187"/>
+            <a:ext cx="6217920" cy="2546773"/>
           </a:xfrm>
         </p:spPr>
         <p:txBody>
           <a:bodyPr anchor="b"/>
           <a:lstStyle>
             <a:lvl1pPr algn="ctr">
-              <a:defRPr sz="6000"/>
+              <a:defRPr sz="4800"/>
             </a:lvl1pPr>
           </a:lstStyle>
           <a:p>
@@ -152,7 +168,7 @@
               <a:rPr lang="en-US" smtClean="0"/>
               <a:t>Click to edit Master title style</a:t>
             </a:r>
-            <a:endParaRPr lang="en-US"/>
+            <a:endParaRPr lang="en-US" dirty="0"/>
           </a:p>
         </p:txBody>
       </p:sp>
@@ -168,8 +184,8 @@
         </p:nvSpPr>
         <p:spPr>
           <a:xfrm>
-            <a:off x="1524000" y="3602038"/>
-            <a:ext cx="9144000" cy="1655762"/>
+            <a:off x="914400" y="3842174"/>
+            <a:ext cx="5486400" cy="1766146"/>
           </a:xfrm>
         </p:spPr>
         <p:txBody>
@@ -177,39 +193,39 @@
           <a:lstStyle>
             <a:lvl1pPr marL="0" indent="0" algn="ctr">
               <a:buNone/>
-              <a:defRPr sz="2400"/>
+              <a:defRPr sz="1920"/>
             </a:lvl1pPr>
-            <a:lvl2pPr marL="457200" indent="0" algn="ctr">
-              <a:buNone/>
-              <a:defRPr sz="2000"/>
+            <a:lvl2pPr marL="365760" indent="0" algn="ctr">
+              <a:buNone/>
+              <a:defRPr sz="1600"/>
             </a:lvl2pPr>
-            <a:lvl3pPr marL="914400" indent="0" algn="ctr">
-              <a:buNone/>
-              <a:defRPr sz="1800"/>
+            <a:lvl3pPr marL="731520" indent="0" algn="ctr">
+              <a:buNone/>
+              <a:defRPr sz="1440"/>
             </a:lvl3pPr>
-            <a:lvl4pPr marL="1371600" indent="0" algn="ctr">
-              <a:buNone/>
-              <a:defRPr sz="1600"/>
+            <a:lvl4pPr marL="1097280" indent="0" algn="ctr">
+              <a:buNone/>
+              <a:defRPr sz="1280"/>
             </a:lvl4pPr>
-            <a:lvl5pPr marL="1828800" indent="0" algn="ctr">
-              <a:buNone/>
-              <a:defRPr sz="1600"/>
+            <a:lvl5pPr marL="1463040" indent="0" algn="ctr">
+              <a:buNone/>
+              <a:defRPr sz="1280"/>
             </a:lvl5pPr>
-            <a:lvl6pPr marL="2286000" indent="0" algn="ctr">
-              <a:buNone/>
-              <a:defRPr sz="1600"/>
+            <a:lvl6pPr marL="1828800" indent="0" algn="ctr">
+              <a:buNone/>
+              <a:defRPr sz="1280"/>
             </a:lvl6pPr>
-            <a:lvl7pPr marL="2743200" indent="0" algn="ctr">
-              <a:buNone/>
-              <a:defRPr sz="1600"/>
+            <a:lvl7pPr marL="2194560" indent="0" algn="ctr">
+              <a:buNone/>
+              <a:defRPr sz="1280"/>
             </a:lvl7pPr>
-            <a:lvl8pPr marL="3200400" indent="0" algn="ctr">
-              <a:buNone/>
-              <a:defRPr sz="1600"/>
+            <a:lvl8pPr marL="2560320" indent="0" algn="ctr">
+              <a:buNone/>
+              <a:defRPr sz="1280"/>
             </a:lvl8pPr>
-            <a:lvl9pPr marL="3657600" indent="0" algn="ctr">
-              <a:buNone/>
-              <a:defRPr sz="1600"/>
+            <a:lvl9pPr marL="2926080" indent="0" algn="ctr">
+              <a:buNone/>
+              <a:defRPr sz="1280"/>
             </a:lvl9pPr>
           </a:lstStyle>
           <a:p>
@@ -217,7 +233,7 @@
               <a:rPr lang="en-US" smtClean="0"/>
               <a:t>Click to edit Master subtitle style</a:t>
             </a:r>
-            <a:endParaRPr lang="en-US"/>
+            <a:endParaRPr lang="en-US" dirty="0"/>
           </a:p>
         </p:txBody>
       </p:sp>
@@ -238,7 +254,7 @@
           <a:p>
             <a:fld id="{95EEDB88-C268-42A0-8A85-7660816486EA}" type="datetimeFigureOut">
               <a:rPr lang="en-US" smtClean="0"/>
-              <a:t>4/24/2015</a:t>
+              <a:t>5/7/2015</a:t>
             </a:fld>
             <a:endParaRPr lang="en-US"/>
           </a:p>
@@ -289,7 +305,7 @@
     </p:spTree>
     <p:extLst>
       <p:ext uri="{BB962C8B-B14F-4D97-AF65-F5344CB8AC3E}">
-        <p14:creationId xmlns:p14="http://schemas.microsoft.com/office/powerpoint/2010/main" val="2316319475"/>
+        <p14:creationId xmlns:p14="http://schemas.microsoft.com/office/powerpoint/2010/main" val="2356703293"/>
       </p:ext>
     </p:extLst>
   </p:cSld>
@@ -335,7 +351,7 @@
               <a:rPr lang="en-US" smtClean="0"/>
               <a:t>Click to edit Master title style</a:t>
             </a:r>
-            <a:endParaRPr lang="en-US"/>
+            <a:endParaRPr lang="en-US" dirty="0"/>
           </a:p>
         </p:txBody>
       </p:sp>
@@ -387,7 +403,7 @@
               <a:rPr lang="en-US" smtClean="0"/>
               <a:t>Fifth level</a:t>
             </a:r>
-            <a:endParaRPr lang="en-US"/>
+            <a:endParaRPr lang="en-US" dirty="0"/>
           </a:p>
         </p:txBody>
       </p:sp>
@@ -408,7 +424,7 @@
           <a:p>
             <a:fld id="{95EEDB88-C268-42A0-8A85-7660816486EA}" type="datetimeFigureOut">
               <a:rPr lang="en-US" smtClean="0"/>
-              <a:t>4/24/2015</a:t>
+              <a:t>5/7/2015</a:t>
             </a:fld>
             <a:endParaRPr lang="en-US"/>
           </a:p>
@@ -459,7 +475,7 @@
     </p:spTree>
     <p:extLst>
       <p:ext uri="{BB962C8B-B14F-4D97-AF65-F5344CB8AC3E}">
-        <p14:creationId xmlns:p14="http://schemas.microsoft.com/office/powerpoint/2010/main" val="2711871674"/>
+        <p14:creationId xmlns:p14="http://schemas.microsoft.com/office/powerpoint/2010/main" val="2070776482"/>
       </p:ext>
     </p:extLst>
   </p:cSld>
@@ -498,8 +514,8 @@
         </p:nvSpPr>
         <p:spPr>
           <a:xfrm>
-            <a:off x="8724900" y="365125"/>
-            <a:ext cx="2628900" cy="5811838"/>
+            <a:off x="5234940" y="389467"/>
+            <a:ext cx="1577340" cy="6199294"/>
           </a:xfrm>
         </p:spPr>
         <p:txBody>
@@ -510,7 +526,7 @@
               <a:rPr lang="en-US" smtClean="0"/>
               <a:t>Click to edit Master title style</a:t>
             </a:r>
-            <a:endParaRPr lang="en-US"/>
+            <a:endParaRPr lang="en-US" dirty="0"/>
           </a:p>
         </p:txBody>
       </p:sp>
@@ -526,8 +542,8 @@
         </p:nvSpPr>
         <p:spPr>
           <a:xfrm>
-            <a:off x="838200" y="365125"/>
-            <a:ext cx="7734300" cy="5811838"/>
+            <a:off x="502920" y="389467"/>
+            <a:ext cx="4640580" cy="6199294"/>
           </a:xfrm>
         </p:spPr>
         <p:txBody>
@@ -567,7 +583,7 @@
               <a:rPr lang="en-US" smtClean="0"/>
               <a:t>Fifth level</a:t>
             </a:r>
-            <a:endParaRPr lang="en-US"/>
+            <a:endParaRPr lang="en-US" dirty="0"/>
           </a:p>
         </p:txBody>
       </p:sp>
@@ -588,7 +604,7 @@
           <a:p>
             <a:fld id="{95EEDB88-C268-42A0-8A85-7660816486EA}" type="datetimeFigureOut">
               <a:rPr lang="en-US" smtClean="0"/>
-              <a:t>4/24/2015</a:t>
+              <a:t>5/7/2015</a:t>
             </a:fld>
             <a:endParaRPr lang="en-US"/>
           </a:p>
@@ -639,7 +655,7 @@
     </p:spTree>
     <p:extLst>
       <p:ext uri="{BB962C8B-B14F-4D97-AF65-F5344CB8AC3E}">
-        <p14:creationId xmlns:p14="http://schemas.microsoft.com/office/powerpoint/2010/main" val="1559017143"/>
+        <p14:creationId xmlns:p14="http://schemas.microsoft.com/office/powerpoint/2010/main" val="2770182248"/>
       </p:ext>
     </p:extLst>
   </p:cSld>
@@ -685,7 +701,7 @@
               <a:rPr lang="en-US" smtClean="0"/>
               <a:t>Click to edit Master title style</a:t>
             </a:r>
-            <a:endParaRPr lang="en-US"/>
+            <a:endParaRPr lang="en-US" dirty="0"/>
           </a:p>
         </p:txBody>
       </p:sp>
@@ -737,7 +753,7 @@
               <a:rPr lang="en-US" smtClean="0"/>
               <a:t>Fifth level</a:t>
             </a:r>
-            <a:endParaRPr lang="en-US"/>
+            <a:endParaRPr lang="en-US" dirty="0"/>
           </a:p>
         </p:txBody>
       </p:sp>
@@ -758,7 +774,7 @@
           <a:p>
             <a:fld id="{95EEDB88-C268-42A0-8A85-7660816486EA}" type="datetimeFigureOut">
               <a:rPr lang="en-US" smtClean="0"/>
-              <a:t>4/24/2015</a:t>
+              <a:t>5/7/2015</a:t>
             </a:fld>
             <a:endParaRPr lang="en-US"/>
           </a:p>
@@ -809,7 +825,7 @@
     </p:spTree>
     <p:extLst>
       <p:ext uri="{BB962C8B-B14F-4D97-AF65-F5344CB8AC3E}">
-        <p14:creationId xmlns:p14="http://schemas.microsoft.com/office/powerpoint/2010/main" val="1371424833"/>
+        <p14:creationId xmlns:p14="http://schemas.microsoft.com/office/powerpoint/2010/main" val="1495621460"/>
       </p:ext>
     </p:extLst>
   </p:cSld>
@@ -848,15 +864,15 @@
         </p:nvSpPr>
         <p:spPr>
           <a:xfrm>
-            <a:off x="831850" y="1709738"/>
-            <a:ext cx="10515600" cy="2852737"/>
+            <a:off x="499110" y="1823722"/>
+            <a:ext cx="6309360" cy="3042919"/>
           </a:xfrm>
         </p:spPr>
         <p:txBody>
           <a:bodyPr anchor="b"/>
           <a:lstStyle>
             <a:lvl1pPr>
-              <a:defRPr sz="6000"/>
+              <a:defRPr sz="4800"/>
             </a:lvl1pPr>
           </a:lstStyle>
           <a:p>
@@ -864,7 +880,7 @@
               <a:rPr lang="en-US" smtClean="0"/>
               <a:t>Click to edit Master title style</a:t>
             </a:r>
-            <a:endParaRPr lang="en-US"/>
+            <a:endParaRPr lang="en-US" dirty="0"/>
           </a:p>
         </p:txBody>
       </p:sp>
@@ -880,8 +896,8 @@
         </p:nvSpPr>
         <p:spPr>
           <a:xfrm>
-            <a:off x="831850" y="4589463"/>
-            <a:ext cx="10515600" cy="1500187"/>
+            <a:off x="499110" y="4895429"/>
+            <a:ext cx="6309360" cy="1600199"/>
           </a:xfrm>
         </p:spPr>
         <p:txBody>
@@ -889,17 +905,15 @@
           <a:lstStyle>
             <a:lvl1pPr marL="0" indent="0">
               <a:buNone/>
-              <a:defRPr sz="2400">
+              <a:defRPr sz="1920">
                 <a:solidFill>
-                  <a:schemeClr val="tx1">
-                    <a:tint val="75000"/>
-                  </a:schemeClr>
+                  <a:schemeClr val="tx1"/>
                 </a:solidFill>
               </a:defRPr>
             </a:lvl1pPr>
-            <a:lvl2pPr marL="457200" indent="0">
-              <a:buNone/>
-              <a:defRPr sz="2000">
+            <a:lvl2pPr marL="365760" indent="0">
+              <a:buNone/>
+              <a:defRPr sz="1600">
                 <a:solidFill>
                   <a:schemeClr val="tx1">
                     <a:tint val="75000"/>
@@ -907,9 +921,9 @@
                 </a:solidFill>
               </a:defRPr>
             </a:lvl2pPr>
-            <a:lvl3pPr marL="914400" indent="0">
-              <a:buNone/>
-              <a:defRPr sz="1800">
+            <a:lvl3pPr marL="731520" indent="0">
+              <a:buNone/>
+              <a:defRPr sz="1440">
                 <a:solidFill>
                   <a:schemeClr val="tx1">
                     <a:tint val="75000"/>
@@ -917,9 +931,9 @@
                 </a:solidFill>
               </a:defRPr>
             </a:lvl3pPr>
-            <a:lvl4pPr marL="1371600" indent="0">
-              <a:buNone/>
-              <a:defRPr sz="1600">
+            <a:lvl4pPr marL="1097280" indent="0">
+              <a:buNone/>
+              <a:defRPr sz="1280">
                 <a:solidFill>
                   <a:schemeClr val="tx1">
                     <a:tint val="75000"/>
@@ -927,9 +941,9 @@
                 </a:solidFill>
               </a:defRPr>
             </a:lvl4pPr>
-            <a:lvl5pPr marL="1828800" indent="0">
-              <a:buNone/>
-              <a:defRPr sz="1600">
+            <a:lvl5pPr marL="1463040" indent="0">
+              <a:buNone/>
+              <a:defRPr sz="1280">
                 <a:solidFill>
                   <a:schemeClr val="tx1">
                     <a:tint val="75000"/>
@@ -937,9 +951,9 @@
                 </a:solidFill>
               </a:defRPr>
             </a:lvl5pPr>
-            <a:lvl6pPr marL="2286000" indent="0">
-              <a:buNone/>
-              <a:defRPr sz="1600">
+            <a:lvl6pPr marL="1828800" indent="0">
+              <a:buNone/>
+              <a:defRPr sz="1280">
                 <a:solidFill>
                   <a:schemeClr val="tx1">
                     <a:tint val="75000"/>
@@ -947,9 +961,9 @@
                 </a:solidFill>
               </a:defRPr>
             </a:lvl6pPr>
-            <a:lvl7pPr marL="2743200" indent="0">
-              <a:buNone/>
-              <a:defRPr sz="1600">
+            <a:lvl7pPr marL="2194560" indent="0">
+              <a:buNone/>
+              <a:defRPr sz="1280">
                 <a:solidFill>
                   <a:schemeClr val="tx1">
                     <a:tint val="75000"/>
@@ -957,9 +971,9 @@
                 </a:solidFill>
               </a:defRPr>
             </a:lvl7pPr>
-            <a:lvl8pPr marL="3200400" indent="0">
-              <a:buNone/>
-              <a:defRPr sz="1600">
+            <a:lvl8pPr marL="2560320" indent="0">
+              <a:buNone/>
+              <a:defRPr sz="1280">
                 <a:solidFill>
                   <a:schemeClr val="tx1">
                     <a:tint val="75000"/>
@@ -967,9 +981,9 @@
                 </a:solidFill>
               </a:defRPr>
             </a:lvl8pPr>
-            <a:lvl9pPr marL="3657600" indent="0">
-              <a:buNone/>
-              <a:defRPr sz="1600">
+            <a:lvl9pPr marL="2926080" indent="0">
+              <a:buNone/>
+              <a:defRPr sz="1280">
                 <a:solidFill>
                   <a:schemeClr val="tx1">
                     <a:tint val="75000"/>
@@ -1004,7 +1018,7 @@
           <a:p>
             <a:fld id="{95EEDB88-C268-42A0-8A85-7660816486EA}" type="datetimeFigureOut">
               <a:rPr lang="en-US" smtClean="0"/>
-              <a:t>4/24/2015</a:t>
+              <a:t>5/7/2015</a:t>
             </a:fld>
             <a:endParaRPr lang="en-US"/>
           </a:p>
@@ -1055,7 +1069,7 @@
     </p:spTree>
     <p:extLst>
       <p:ext uri="{BB962C8B-B14F-4D97-AF65-F5344CB8AC3E}">
-        <p14:creationId xmlns:p14="http://schemas.microsoft.com/office/powerpoint/2010/main" val="3083195047"/>
+        <p14:creationId xmlns:p14="http://schemas.microsoft.com/office/powerpoint/2010/main" val="2990857359"/>
       </p:ext>
     </p:extLst>
   </p:cSld>
@@ -1101,7 +1115,7 @@
               <a:rPr lang="en-US" smtClean="0"/>
               <a:t>Click to edit Master title style</a:t>
             </a:r>
-            <a:endParaRPr lang="en-US"/>
+            <a:endParaRPr lang="en-US" dirty="0"/>
           </a:p>
         </p:txBody>
       </p:sp>
@@ -1117,8 +1131,8 @@
         </p:nvSpPr>
         <p:spPr>
           <a:xfrm>
-            <a:off x="838200" y="1825625"/>
-            <a:ext cx="5181600" cy="4351338"/>
+            <a:off x="502920" y="1947333"/>
+            <a:ext cx="3108960" cy="4641427"/>
           </a:xfrm>
         </p:spPr>
         <p:txBody>
@@ -1158,7 +1172,7 @@
               <a:rPr lang="en-US" smtClean="0"/>
               <a:t>Fifth level</a:t>
             </a:r>
-            <a:endParaRPr lang="en-US"/>
+            <a:endParaRPr lang="en-US" dirty="0"/>
           </a:p>
         </p:txBody>
       </p:sp>
@@ -1174,8 +1188,8 @@
         </p:nvSpPr>
         <p:spPr>
           <a:xfrm>
-            <a:off x="6172200" y="1825625"/>
-            <a:ext cx="5181600" cy="4351338"/>
+            <a:off x="3703320" y="1947333"/>
+            <a:ext cx="3108960" cy="4641427"/>
           </a:xfrm>
         </p:spPr>
         <p:txBody>
@@ -1215,7 +1229,7 @@
               <a:rPr lang="en-US" smtClean="0"/>
               <a:t>Fifth level</a:t>
             </a:r>
-            <a:endParaRPr lang="en-US"/>
+            <a:endParaRPr lang="en-US" dirty="0"/>
           </a:p>
         </p:txBody>
       </p:sp>
@@ -1236,7 +1250,7 @@
           <a:p>
             <a:fld id="{95EEDB88-C268-42A0-8A85-7660816486EA}" type="datetimeFigureOut">
               <a:rPr lang="en-US" smtClean="0"/>
-              <a:t>4/24/2015</a:t>
+              <a:t>5/7/2015</a:t>
             </a:fld>
             <a:endParaRPr lang="en-US"/>
           </a:p>
@@ -1287,7 +1301,7 @@
     </p:spTree>
     <p:extLst>
       <p:ext uri="{BB962C8B-B14F-4D97-AF65-F5344CB8AC3E}">
-        <p14:creationId xmlns:p14="http://schemas.microsoft.com/office/powerpoint/2010/main" val="1352993569"/>
+        <p14:creationId xmlns:p14="http://schemas.microsoft.com/office/powerpoint/2010/main" val="2790621833"/>
       </p:ext>
     </p:extLst>
   </p:cSld>
@@ -1326,8 +1340,8 @@
         </p:nvSpPr>
         <p:spPr>
           <a:xfrm>
-            <a:off x="839788" y="365125"/>
-            <a:ext cx="10515600" cy="1325563"/>
+            <a:off x="503873" y="389468"/>
+            <a:ext cx="6309360" cy="1413934"/>
           </a:xfrm>
         </p:spPr>
         <p:txBody>
@@ -1338,7 +1352,7 @@
               <a:rPr lang="en-US" smtClean="0"/>
               <a:t>Click to edit Master title style</a:t>
             </a:r>
-            <a:endParaRPr lang="en-US"/>
+            <a:endParaRPr lang="en-US" dirty="0"/>
           </a:p>
         </p:txBody>
       </p:sp>
@@ -1354,8 +1368,8 @@
         </p:nvSpPr>
         <p:spPr>
           <a:xfrm>
-            <a:off x="839788" y="1681163"/>
-            <a:ext cx="5157787" cy="823912"/>
+            <a:off x="503874" y="1793241"/>
+            <a:ext cx="3094672" cy="878839"/>
           </a:xfrm>
         </p:spPr>
         <p:txBody>
@@ -1363,39 +1377,39 @@
           <a:lstStyle>
             <a:lvl1pPr marL="0" indent="0">
               <a:buNone/>
-              <a:defRPr sz="2400" b="1"/>
+              <a:defRPr sz="1920" b="1"/>
             </a:lvl1pPr>
-            <a:lvl2pPr marL="457200" indent="0">
-              <a:buNone/>
-              <a:defRPr sz="2000" b="1"/>
+            <a:lvl2pPr marL="365760" indent="0">
+              <a:buNone/>
+              <a:defRPr sz="1600" b="1"/>
             </a:lvl2pPr>
-            <a:lvl3pPr marL="914400" indent="0">
-              <a:buNone/>
-              <a:defRPr sz="1800" b="1"/>
+            <a:lvl3pPr marL="731520" indent="0">
+              <a:buNone/>
+              <a:defRPr sz="1440" b="1"/>
             </a:lvl3pPr>
-            <a:lvl4pPr marL="1371600" indent="0">
-              <a:buNone/>
-              <a:defRPr sz="1600" b="1"/>
+            <a:lvl4pPr marL="1097280" indent="0">
+              <a:buNone/>
+              <a:defRPr sz="1280" b="1"/>
             </a:lvl4pPr>
-            <a:lvl5pPr marL="1828800" indent="0">
-              <a:buNone/>
-              <a:defRPr sz="1600" b="1"/>
+            <a:lvl5pPr marL="1463040" indent="0">
+              <a:buNone/>
+              <a:defRPr sz="1280" b="1"/>
             </a:lvl5pPr>
-            <a:lvl6pPr marL="2286000" indent="0">
-              <a:buNone/>
-              <a:defRPr sz="1600" b="1"/>
+            <a:lvl6pPr marL="1828800" indent="0">
+              <a:buNone/>
+              <a:defRPr sz="1280" b="1"/>
             </a:lvl6pPr>
-            <a:lvl7pPr marL="2743200" indent="0">
-              <a:buNone/>
-              <a:defRPr sz="1600" b="1"/>
+            <a:lvl7pPr marL="2194560" indent="0">
+              <a:buNone/>
+              <a:defRPr sz="1280" b="1"/>
             </a:lvl7pPr>
-            <a:lvl8pPr marL="3200400" indent="0">
-              <a:buNone/>
-              <a:defRPr sz="1600" b="1"/>
+            <a:lvl8pPr marL="2560320" indent="0">
+              <a:buNone/>
+              <a:defRPr sz="1280" b="1"/>
             </a:lvl8pPr>
-            <a:lvl9pPr marL="3657600" indent="0">
-              <a:buNone/>
-              <a:defRPr sz="1600" b="1"/>
+            <a:lvl9pPr marL="2926080" indent="0">
+              <a:buNone/>
+              <a:defRPr sz="1280" b="1"/>
             </a:lvl9pPr>
           </a:lstStyle>
           <a:p>
@@ -1419,8 +1433,8 @@
         </p:nvSpPr>
         <p:spPr>
           <a:xfrm>
-            <a:off x="839788" y="2505075"/>
-            <a:ext cx="5157787" cy="3684588"/>
+            <a:off x="503874" y="2672080"/>
+            <a:ext cx="3094672" cy="3930227"/>
           </a:xfrm>
         </p:spPr>
         <p:txBody>
@@ -1460,7 +1474,7 @@
               <a:rPr lang="en-US" smtClean="0"/>
               <a:t>Fifth level</a:t>
             </a:r>
-            <a:endParaRPr lang="en-US"/>
+            <a:endParaRPr lang="en-US" dirty="0"/>
           </a:p>
         </p:txBody>
       </p:sp>
@@ -1476,8 +1490,8 @@
         </p:nvSpPr>
         <p:spPr>
           <a:xfrm>
-            <a:off x="6172200" y="1681163"/>
-            <a:ext cx="5183188" cy="823912"/>
+            <a:off x="3703320" y="1793241"/>
+            <a:ext cx="3109913" cy="878839"/>
           </a:xfrm>
         </p:spPr>
         <p:txBody>
@@ -1485,39 +1499,39 @@
           <a:lstStyle>
             <a:lvl1pPr marL="0" indent="0">
               <a:buNone/>
-              <a:defRPr sz="2400" b="1"/>
+              <a:defRPr sz="1920" b="1"/>
             </a:lvl1pPr>
-            <a:lvl2pPr marL="457200" indent="0">
-              <a:buNone/>
-              <a:defRPr sz="2000" b="1"/>
+            <a:lvl2pPr marL="365760" indent="0">
+              <a:buNone/>
+              <a:defRPr sz="1600" b="1"/>
             </a:lvl2pPr>
-            <a:lvl3pPr marL="914400" indent="0">
-              <a:buNone/>
-              <a:defRPr sz="1800" b="1"/>
+            <a:lvl3pPr marL="731520" indent="0">
+              <a:buNone/>
+              <a:defRPr sz="1440" b="1"/>
             </a:lvl3pPr>
-            <a:lvl4pPr marL="1371600" indent="0">
-              <a:buNone/>
-              <a:defRPr sz="1600" b="1"/>
+            <a:lvl4pPr marL="1097280" indent="0">
+              <a:buNone/>
+              <a:defRPr sz="1280" b="1"/>
             </a:lvl4pPr>
-            <a:lvl5pPr marL="1828800" indent="0">
-              <a:buNone/>
-              <a:defRPr sz="1600" b="1"/>
+            <a:lvl5pPr marL="1463040" indent="0">
+              <a:buNone/>
+              <a:defRPr sz="1280" b="1"/>
             </a:lvl5pPr>
-            <a:lvl6pPr marL="2286000" indent="0">
-              <a:buNone/>
-              <a:defRPr sz="1600" b="1"/>
+            <a:lvl6pPr marL="1828800" indent="0">
+              <a:buNone/>
+              <a:defRPr sz="1280" b="1"/>
             </a:lvl6pPr>
-            <a:lvl7pPr marL="2743200" indent="0">
-              <a:buNone/>
-              <a:defRPr sz="1600" b="1"/>
+            <a:lvl7pPr marL="2194560" indent="0">
+              <a:buNone/>
+              <a:defRPr sz="1280" b="1"/>
             </a:lvl7pPr>
-            <a:lvl8pPr marL="3200400" indent="0">
-              <a:buNone/>
-              <a:defRPr sz="1600" b="1"/>
+            <a:lvl8pPr marL="2560320" indent="0">
+              <a:buNone/>
+              <a:defRPr sz="1280" b="1"/>
             </a:lvl8pPr>
-            <a:lvl9pPr marL="3657600" indent="0">
-              <a:buNone/>
-              <a:defRPr sz="1600" b="1"/>
+            <a:lvl9pPr marL="2926080" indent="0">
+              <a:buNone/>
+              <a:defRPr sz="1280" b="1"/>
             </a:lvl9pPr>
           </a:lstStyle>
           <a:p>
@@ -1541,8 +1555,8 @@
         </p:nvSpPr>
         <p:spPr>
           <a:xfrm>
-            <a:off x="6172200" y="2505075"/>
-            <a:ext cx="5183188" cy="3684588"/>
+            <a:off x="3703320" y="2672080"/>
+            <a:ext cx="3109913" cy="3930227"/>
           </a:xfrm>
         </p:spPr>
         <p:txBody>
@@ -1582,7 +1596,7 @@
               <a:rPr lang="en-US" smtClean="0"/>
               <a:t>Fifth level</a:t>
             </a:r>
-            <a:endParaRPr lang="en-US"/>
+            <a:endParaRPr lang="en-US" dirty="0"/>
           </a:p>
         </p:txBody>
       </p:sp>
@@ -1603,7 +1617,7 @@
           <a:p>
             <a:fld id="{95EEDB88-C268-42A0-8A85-7660816486EA}" type="datetimeFigureOut">
               <a:rPr lang="en-US" smtClean="0"/>
-              <a:t>4/24/2015</a:t>
+              <a:t>5/7/2015</a:t>
             </a:fld>
             <a:endParaRPr lang="en-US"/>
           </a:p>
@@ -1654,7 +1668,7 @@
     </p:spTree>
     <p:extLst>
       <p:ext uri="{BB962C8B-B14F-4D97-AF65-F5344CB8AC3E}">
-        <p14:creationId xmlns:p14="http://schemas.microsoft.com/office/powerpoint/2010/main" val="2947334591"/>
+        <p14:creationId xmlns:p14="http://schemas.microsoft.com/office/powerpoint/2010/main" val="2016099422"/>
       </p:ext>
     </p:extLst>
   </p:cSld>
@@ -1700,7 +1714,7 @@
               <a:rPr lang="en-US" smtClean="0"/>
               <a:t>Click to edit Master title style</a:t>
             </a:r>
-            <a:endParaRPr lang="en-US"/>
+            <a:endParaRPr lang="en-US" dirty="0"/>
           </a:p>
         </p:txBody>
       </p:sp>
@@ -1721,7 +1735,7 @@
           <a:p>
             <a:fld id="{95EEDB88-C268-42A0-8A85-7660816486EA}" type="datetimeFigureOut">
               <a:rPr lang="en-US" smtClean="0"/>
-              <a:t>4/24/2015</a:t>
+              <a:t>5/7/2015</a:t>
             </a:fld>
             <a:endParaRPr lang="en-US"/>
           </a:p>
@@ -1772,7 +1786,7 @@
     </p:spTree>
     <p:extLst>
       <p:ext uri="{BB962C8B-B14F-4D97-AF65-F5344CB8AC3E}">
-        <p14:creationId xmlns:p14="http://schemas.microsoft.com/office/powerpoint/2010/main" val="907915546"/>
+        <p14:creationId xmlns:p14="http://schemas.microsoft.com/office/powerpoint/2010/main" val="644161475"/>
       </p:ext>
     </p:extLst>
   </p:cSld>
@@ -1816,7 +1830,7 @@
           <a:p>
             <a:fld id="{95EEDB88-C268-42A0-8A85-7660816486EA}" type="datetimeFigureOut">
               <a:rPr lang="en-US" smtClean="0"/>
-              <a:t>4/24/2015</a:t>
+              <a:t>5/7/2015</a:t>
             </a:fld>
             <a:endParaRPr lang="en-US"/>
           </a:p>
@@ -1867,7 +1881,7 @@
     </p:spTree>
     <p:extLst>
       <p:ext uri="{BB962C8B-B14F-4D97-AF65-F5344CB8AC3E}">
-        <p14:creationId xmlns:p14="http://schemas.microsoft.com/office/powerpoint/2010/main" val="216737946"/>
+        <p14:creationId xmlns:p14="http://schemas.microsoft.com/office/powerpoint/2010/main" val="872199518"/>
       </p:ext>
     </p:extLst>
   </p:cSld>
@@ -1906,15 +1920,15 @@
         </p:nvSpPr>
         <p:spPr>
           <a:xfrm>
-            <a:off x="839788" y="457200"/>
-            <a:ext cx="3932237" cy="1600200"/>
+            <a:off x="503873" y="487680"/>
+            <a:ext cx="2359342" cy="1706880"/>
           </a:xfrm>
         </p:spPr>
         <p:txBody>
           <a:bodyPr anchor="b"/>
           <a:lstStyle>
             <a:lvl1pPr>
-              <a:defRPr sz="3200"/>
+              <a:defRPr sz="2560"/>
             </a:lvl1pPr>
           </a:lstStyle>
           <a:p>
@@ -1922,7 +1936,7 @@
               <a:rPr lang="en-US" smtClean="0"/>
               <a:t>Click to edit Master title style</a:t>
             </a:r>
-            <a:endParaRPr lang="en-US"/>
+            <a:endParaRPr lang="en-US" dirty="0"/>
           </a:p>
         </p:txBody>
       </p:sp>
@@ -1938,39 +1952,39 @@
         </p:nvSpPr>
         <p:spPr>
           <a:xfrm>
-            <a:off x="5183188" y="987425"/>
-            <a:ext cx="6172200" cy="4873625"/>
+            <a:off x="3109913" y="1053255"/>
+            <a:ext cx="3703320" cy="5198533"/>
           </a:xfrm>
         </p:spPr>
         <p:txBody>
           <a:bodyPr/>
           <a:lstStyle>
             <a:lvl1pPr>
-              <a:defRPr sz="3200"/>
+              <a:defRPr sz="2560"/>
             </a:lvl1pPr>
             <a:lvl2pPr>
-              <a:defRPr sz="2800"/>
+              <a:defRPr sz="2240"/>
             </a:lvl2pPr>
             <a:lvl3pPr>
-              <a:defRPr sz="2400"/>
+              <a:defRPr sz="1920"/>
             </a:lvl3pPr>
             <a:lvl4pPr>
-              <a:defRPr sz="2000"/>
+              <a:defRPr sz="1600"/>
             </a:lvl4pPr>
             <a:lvl5pPr>
-              <a:defRPr sz="2000"/>
+              <a:defRPr sz="1600"/>
             </a:lvl5pPr>
             <a:lvl6pPr>
-              <a:defRPr sz="2000"/>
+              <a:defRPr sz="1600"/>
             </a:lvl6pPr>
             <a:lvl7pPr>
-              <a:defRPr sz="2000"/>
+              <a:defRPr sz="1600"/>
             </a:lvl7pPr>
             <a:lvl8pPr>
-              <a:defRPr sz="2000"/>
+              <a:defRPr sz="1600"/>
             </a:lvl8pPr>
             <a:lvl9pPr>
-              <a:defRPr sz="2000"/>
+              <a:defRPr sz="1600"/>
             </a:lvl9pPr>
           </a:lstStyle>
           <a:p>
@@ -2007,7 +2021,7 @@
               <a:rPr lang="en-US" smtClean="0"/>
               <a:t>Fifth level</a:t>
             </a:r>
-            <a:endParaRPr lang="en-US"/>
+            <a:endParaRPr lang="en-US" dirty="0"/>
           </a:p>
         </p:txBody>
       </p:sp>
@@ -2023,8 +2037,8 @@
         </p:nvSpPr>
         <p:spPr>
           <a:xfrm>
-            <a:off x="839788" y="2057400"/>
-            <a:ext cx="3932237" cy="3811588"/>
+            <a:off x="503873" y="2194560"/>
+            <a:ext cx="2359342" cy="4065694"/>
           </a:xfrm>
         </p:spPr>
         <p:txBody>
@@ -2032,39 +2046,39 @@
           <a:lstStyle>
             <a:lvl1pPr marL="0" indent="0">
               <a:buNone/>
-              <a:defRPr sz="1600"/>
+              <a:defRPr sz="1280"/>
             </a:lvl1pPr>
-            <a:lvl2pPr marL="457200" indent="0">
-              <a:buNone/>
-              <a:defRPr sz="1400"/>
+            <a:lvl2pPr marL="365760" indent="0">
+              <a:buNone/>
+              <a:defRPr sz="1120"/>
             </a:lvl2pPr>
-            <a:lvl3pPr marL="914400" indent="0">
-              <a:buNone/>
-              <a:defRPr sz="1200"/>
+            <a:lvl3pPr marL="731520" indent="0">
+              <a:buNone/>
+              <a:defRPr sz="960"/>
             </a:lvl3pPr>
-            <a:lvl4pPr marL="1371600" indent="0">
-              <a:buNone/>
-              <a:defRPr sz="1000"/>
+            <a:lvl4pPr marL="1097280" indent="0">
+              <a:buNone/>
+              <a:defRPr sz="800"/>
             </a:lvl4pPr>
-            <a:lvl5pPr marL="1828800" indent="0">
-              <a:buNone/>
-              <a:defRPr sz="1000"/>
+            <a:lvl5pPr marL="1463040" indent="0">
+              <a:buNone/>
+              <a:defRPr sz="800"/>
             </a:lvl5pPr>
-            <a:lvl6pPr marL="2286000" indent="0">
-              <a:buNone/>
-              <a:defRPr sz="1000"/>
+            <a:lvl6pPr marL="1828800" indent="0">
+              <a:buNone/>
+              <a:defRPr sz="800"/>
             </a:lvl6pPr>
-            <a:lvl7pPr marL="2743200" indent="0">
-              <a:buNone/>
-              <a:defRPr sz="1000"/>
+            <a:lvl7pPr marL="2194560" indent="0">
+              <a:buNone/>
+              <a:defRPr sz="800"/>
             </a:lvl7pPr>
-            <a:lvl8pPr marL="3200400" indent="0">
-              <a:buNone/>
-              <a:defRPr sz="1000"/>
+            <a:lvl8pPr marL="2560320" indent="0">
+              <a:buNone/>
+              <a:defRPr sz="800"/>
             </a:lvl8pPr>
-            <a:lvl9pPr marL="3657600" indent="0">
-              <a:buNone/>
-              <a:defRPr sz="1000"/>
+            <a:lvl9pPr marL="2926080" indent="0">
+              <a:buNone/>
+              <a:defRPr sz="800"/>
             </a:lvl9pPr>
           </a:lstStyle>
           <a:p>
@@ -2093,7 +2107,7 @@
           <a:p>
             <a:fld id="{95EEDB88-C268-42A0-8A85-7660816486EA}" type="datetimeFigureOut">
               <a:rPr lang="en-US" smtClean="0"/>
-              <a:t>4/24/2015</a:t>
+              <a:t>5/7/2015</a:t>
             </a:fld>
             <a:endParaRPr lang="en-US"/>
           </a:p>
@@ -2144,7 +2158,7 @@
     </p:spTree>
     <p:extLst>
       <p:ext uri="{BB962C8B-B14F-4D97-AF65-F5344CB8AC3E}">
-        <p14:creationId xmlns:p14="http://schemas.microsoft.com/office/powerpoint/2010/main" val="654339242"/>
+        <p14:creationId xmlns:p14="http://schemas.microsoft.com/office/powerpoint/2010/main" val="2902135894"/>
       </p:ext>
     </p:extLst>
   </p:cSld>
@@ -2183,15 +2197,15 @@
         </p:nvSpPr>
         <p:spPr>
           <a:xfrm>
-            <a:off x="839788" y="457200"/>
-            <a:ext cx="3932237" cy="1600200"/>
+            <a:off x="503873" y="487680"/>
+            <a:ext cx="2359342" cy="1706880"/>
           </a:xfrm>
         </p:spPr>
         <p:txBody>
           <a:bodyPr anchor="b"/>
           <a:lstStyle>
             <a:lvl1pPr>
-              <a:defRPr sz="3200"/>
+              <a:defRPr sz="2560"/>
             </a:lvl1pPr>
           </a:lstStyle>
           <a:p>
@@ -2199,7 +2213,7 @@
               <a:rPr lang="en-US" smtClean="0"/>
               <a:t>Click to edit Master title style</a:t>
             </a:r>
-            <a:endParaRPr lang="en-US"/>
+            <a:endParaRPr lang="en-US" dirty="0"/>
           </a:p>
         </p:txBody>
       </p:sp>
@@ -2207,7 +2221,7 @@
         <p:nvSpPr>
           <p:cNvPr id="3" name="Picture Placeholder 2"/>
           <p:cNvSpPr>
-            <a:spLocks noGrp="1"/>
+            <a:spLocks noGrp="1" noChangeAspect="1"/>
           </p:cNvSpPr>
           <p:nvPr>
             <p:ph type="pic" idx="1"/>
@@ -2215,8 +2229,73 @@
         </p:nvSpPr>
         <p:spPr>
           <a:xfrm>
-            <a:off x="5183188" y="987425"/>
-            <a:ext cx="6172200" cy="4873625"/>
+            <a:off x="3109913" y="1053255"/>
+            <a:ext cx="3703320" cy="5198533"/>
+          </a:xfrm>
+        </p:spPr>
+        <p:txBody>
+          <a:bodyPr anchor="t"/>
+          <a:lstStyle>
+            <a:lvl1pPr marL="0" indent="0">
+              <a:buNone/>
+              <a:defRPr sz="2560"/>
+            </a:lvl1pPr>
+            <a:lvl2pPr marL="365760" indent="0">
+              <a:buNone/>
+              <a:defRPr sz="2240"/>
+            </a:lvl2pPr>
+            <a:lvl3pPr marL="731520" indent="0">
+              <a:buNone/>
+              <a:defRPr sz="1920"/>
+            </a:lvl3pPr>
+            <a:lvl4pPr marL="1097280" indent="0">
+              <a:buNone/>
+              <a:defRPr sz="1600"/>
+            </a:lvl4pPr>
+            <a:lvl5pPr marL="1463040" indent="0">
+              <a:buNone/>
+              <a:defRPr sz="1600"/>
+            </a:lvl5pPr>
+            <a:lvl6pPr marL="1828800" indent="0">
+              <a:buNone/>
+              <a:defRPr sz="1600"/>
+            </a:lvl6pPr>
+            <a:lvl7pPr marL="2194560" indent="0">
+              <a:buNone/>
+              <a:defRPr sz="1600"/>
+            </a:lvl7pPr>
+            <a:lvl8pPr marL="2560320" indent="0">
+              <a:buNone/>
+              <a:defRPr sz="1600"/>
+            </a:lvl8pPr>
+            <a:lvl9pPr marL="2926080" indent="0">
+              <a:buNone/>
+              <a:defRPr sz="1600"/>
+            </a:lvl9pPr>
+          </a:lstStyle>
+          <a:p>
+            <a:r>
+              <a:rPr lang="en-US" smtClean="0"/>
+              <a:t>Click icon to add picture</a:t>
+            </a:r>
+            <a:endParaRPr lang="en-US" dirty="0"/>
+          </a:p>
+        </p:txBody>
+      </p:sp>
+      <p:sp>
+        <p:nvSpPr>
+          <p:cNvPr id="4" name="Text Placeholder 3"/>
+          <p:cNvSpPr>
+            <a:spLocks noGrp="1"/>
+          </p:cNvSpPr>
+          <p:nvPr>
+            <p:ph type="body" sz="half" idx="2"/>
+          </p:nvPr>
+        </p:nvSpPr>
+        <p:spPr>
+          <a:xfrm>
+            <a:off x="503873" y="2194560"/>
+            <a:ext cx="2359342" cy="4065694"/>
           </a:xfrm>
         </p:spPr>
         <p:txBody>
@@ -2224,103 +2303,42 @@
           <a:lstStyle>
             <a:lvl1pPr marL="0" indent="0">
               <a:buNone/>
-              <a:defRPr sz="3200"/>
+              <a:defRPr sz="1280"/>
             </a:lvl1pPr>
-            <a:lvl2pPr marL="457200" indent="0">
-              <a:buNone/>
-              <a:defRPr sz="2800"/>
+            <a:lvl2pPr marL="365760" indent="0">
+              <a:buNone/>
+              <a:defRPr sz="1120"/>
             </a:lvl2pPr>
-            <a:lvl3pPr marL="914400" indent="0">
-              <a:buNone/>
-              <a:defRPr sz="2400"/>
+            <a:lvl3pPr marL="731520" indent="0">
+              <a:buNone/>
+              <a:defRPr sz="960"/>
             </a:lvl3pPr>
-            <a:lvl4pPr marL="1371600" indent="0">
-              <a:buNone/>
-              <a:defRPr sz="2000"/>
+            <a:lvl4pPr marL="1097280" indent="0">
+              <a:buNone/>
+              <a:defRPr sz="800"/>
             </a:lvl4pPr>
-            <a:lvl5pPr marL="1828800" indent="0">
-              <a:buNone/>
-              <a:defRPr sz="2000"/>
+            <a:lvl5pPr marL="1463040" indent="0">
+              <a:buNone/>
+              <a:defRPr sz="800"/>
             </a:lvl5pPr>
-            <a:lvl6pPr marL="2286000" indent="0">
-              <a:buNone/>
-              <a:defRPr sz="2000"/>
+            <a:lvl6pPr marL="1828800" indent="0">
+              <a:buNone/>
+              <a:defRPr sz="800"/>
             </a:lvl6pPr>
-            <a:lvl7pPr marL="2743200" indent="0">
-              <a:buNone/>
-              <a:defRPr sz="2000"/>
+            <a:lvl7pPr marL="2194560" indent="0">
+              <a:buNone/>
+              <a:defRPr sz="800"/>
             </a:lvl7pPr>
-            <a:lvl8pPr marL="3200400" indent="0">
-              <a:buNone/>
-              <a:defRPr sz="2000"/>
+            <a:lvl8pPr marL="2560320" indent="0">
+              <a:buNone/>
+              <a:defRPr sz="800"/>
             </a:lvl8pPr>
-            <a:lvl9pPr marL="3657600" indent="0">
-              <a:buNone/>
-              <a:defRPr sz="2000"/>
+            <a:lvl9pPr marL="2926080" indent="0">
+              <a:buNone/>
+              <a:defRPr sz="800"/>
             </a:lvl9pPr>
           </a:lstStyle>
           <a:p>
-            <a:endParaRPr lang="en-US"/>
-          </a:p>
-        </p:txBody>
-      </p:sp>
-      <p:sp>
-        <p:nvSpPr>
-          <p:cNvPr id="4" name="Text Placeholder 3"/>
-          <p:cNvSpPr>
-            <a:spLocks noGrp="1"/>
-          </p:cNvSpPr>
-          <p:nvPr>
-            <p:ph type="body" sz="half" idx="2"/>
-          </p:nvPr>
-        </p:nvSpPr>
-        <p:spPr>
-          <a:xfrm>
-            <a:off x="839788" y="2057400"/>
-            <a:ext cx="3932237" cy="3811588"/>
-          </a:xfrm>
-        </p:spPr>
-        <p:txBody>
-          <a:bodyPr/>
-          <a:lstStyle>
-            <a:lvl1pPr marL="0" indent="0">
-              <a:buNone/>
-              <a:defRPr sz="1600"/>
-            </a:lvl1pPr>
-            <a:lvl2pPr marL="457200" indent="0">
-              <a:buNone/>
-              <a:defRPr sz="1400"/>
-            </a:lvl2pPr>
-            <a:lvl3pPr marL="914400" indent="0">
-              <a:buNone/>
-              <a:defRPr sz="1200"/>
-            </a:lvl3pPr>
-            <a:lvl4pPr marL="1371600" indent="0">
-              <a:buNone/>
-              <a:defRPr sz="1000"/>
-            </a:lvl4pPr>
-            <a:lvl5pPr marL="1828800" indent="0">
-              <a:buNone/>
-              <a:defRPr sz="1000"/>
-            </a:lvl5pPr>
-            <a:lvl6pPr marL="2286000" indent="0">
-              <a:buNone/>
-              <a:defRPr sz="1000"/>
-            </a:lvl6pPr>
-            <a:lvl7pPr marL="2743200" indent="0">
-              <a:buNone/>
-              <a:defRPr sz="1000"/>
-            </a:lvl7pPr>
-            <a:lvl8pPr marL="3200400" indent="0">
-              <a:buNone/>
-              <a:defRPr sz="1000"/>
-            </a:lvl8pPr>
-            <a:lvl9pPr marL="3657600" indent="0">
-              <a:buNone/>
-              <a:defRPr sz="1000"/>
-            </a:lvl9pPr>
-          </a:lstStyle>
-          <a:p>
             <a:pPr lvl="0"/>
             <a:r>
               <a:rPr lang="en-US" smtClean="0"/>
@@ -2346,7 +2364,7 @@
           <a:p>
             <a:fld id="{95EEDB88-C268-42A0-8A85-7660816486EA}" type="datetimeFigureOut">
               <a:rPr lang="en-US" smtClean="0"/>
-              <a:t>4/24/2015</a:t>
+              <a:t>5/7/2015</a:t>
             </a:fld>
             <a:endParaRPr lang="en-US"/>
           </a:p>
@@ -2397,7 +2415,7 @@
     </p:spTree>
     <p:extLst>
       <p:ext uri="{BB962C8B-B14F-4D97-AF65-F5344CB8AC3E}">
-        <p14:creationId xmlns:p14="http://schemas.microsoft.com/office/powerpoint/2010/main" val="4142649380"/>
+        <p14:creationId xmlns:p14="http://schemas.microsoft.com/office/powerpoint/2010/main" val="3614470575"/>
       </p:ext>
     </p:extLst>
   </p:cSld>
@@ -2441,8 +2459,8 @@
         </p:nvSpPr>
         <p:spPr>
           <a:xfrm>
-            <a:off x="838200" y="365125"/>
-            <a:ext cx="10515600" cy="1325563"/>
+            <a:off x="502920" y="389468"/>
+            <a:ext cx="6309360" cy="1413934"/>
           </a:xfrm>
           <a:prstGeom prst="rect">
             <a:avLst/>
@@ -2458,7 +2476,7 @@
               <a:rPr lang="en-US" smtClean="0"/>
               <a:t>Click to edit Master title style</a:t>
             </a:r>
-            <a:endParaRPr lang="en-US"/>
+            <a:endParaRPr lang="en-US" dirty="0"/>
           </a:p>
         </p:txBody>
       </p:sp>
@@ -2474,8 +2492,8 @@
         </p:nvSpPr>
         <p:spPr>
           <a:xfrm>
-            <a:off x="838200" y="1825625"/>
-            <a:ext cx="10515600" cy="4351338"/>
+            <a:off x="502920" y="1947333"/>
+            <a:ext cx="6309360" cy="4641427"/>
           </a:xfrm>
           <a:prstGeom prst="rect">
             <a:avLst/>
@@ -2520,7 +2538,7 @@
               <a:rPr lang="en-US" smtClean="0"/>
               <a:t>Fifth level</a:t>
             </a:r>
-            <a:endParaRPr lang="en-US"/>
+            <a:endParaRPr lang="en-US" dirty="0"/>
           </a:p>
         </p:txBody>
       </p:sp>
@@ -2536,8 +2554,8 @@
         </p:nvSpPr>
         <p:spPr>
           <a:xfrm>
-            <a:off x="838200" y="6356350"/>
-            <a:ext cx="2743200" cy="365125"/>
+            <a:off x="502920" y="6780108"/>
+            <a:ext cx="1645920" cy="389467"/>
           </a:xfrm>
           <a:prstGeom prst="rect">
             <a:avLst/>
@@ -2547,7 +2565,7 @@
           <a:bodyPr vert="horz" lIns="91440" tIns="45720" rIns="91440" bIns="45720" rtlCol="0" anchor="ctr"/>
           <a:lstStyle>
             <a:lvl1pPr algn="l">
-              <a:defRPr sz="1200">
+              <a:defRPr sz="960">
                 <a:solidFill>
                   <a:schemeClr val="tx1">
                     <a:tint val="75000"/>
@@ -2559,7 +2577,7 @@
           <a:p>
             <a:fld id="{95EEDB88-C268-42A0-8A85-7660816486EA}" type="datetimeFigureOut">
               <a:rPr lang="en-US" smtClean="0"/>
-              <a:t>4/24/2015</a:t>
+              <a:t>5/7/2015</a:t>
             </a:fld>
             <a:endParaRPr lang="en-US"/>
           </a:p>
@@ -2577,8 +2595,8 @@
         </p:nvSpPr>
         <p:spPr>
           <a:xfrm>
-            <a:off x="4038600" y="6356350"/>
-            <a:ext cx="4114800" cy="365125"/>
+            <a:off x="2423160" y="6780108"/>
+            <a:ext cx="2468880" cy="389467"/>
           </a:xfrm>
           <a:prstGeom prst="rect">
             <a:avLst/>
@@ -2588,7 +2606,7 @@
           <a:bodyPr vert="horz" lIns="91440" tIns="45720" rIns="91440" bIns="45720" rtlCol="0" anchor="ctr"/>
           <a:lstStyle>
             <a:lvl1pPr algn="ctr">
-              <a:defRPr sz="1200">
+              <a:defRPr sz="960">
                 <a:solidFill>
                   <a:schemeClr val="tx1">
                     <a:tint val="75000"/>
@@ -2614,8 +2632,8 @@
         </p:nvSpPr>
         <p:spPr>
           <a:xfrm>
-            <a:off x="8610600" y="6356350"/>
-            <a:ext cx="2743200" cy="365125"/>
+            <a:off x="5166360" y="6780108"/>
+            <a:ext cx="1645920" cy="389467"/>
           </a:xfrm>
           <a:prstGeom prst="rect">
             <a:avLst/>
@@ -2625,7 +2643,7 @@
           <a:bodyPr vert="horz" lIns="91440" tIns="45720" rIns="91440" bIns="45720" rtlCol="0" anchor="ctr"/>
           <a:lstStyle>
             <a:lvl1pPr algn="r">
-              <a:defRPr sz="1200">
+              <a:defRPr sz="960">
                 <a:solidFill>
                   <a:schemeClr val="tx1">
                     <a:tint val="75000"/>
@@ -2646,27 +2664,27 @@
     </p:spTree>
     <p:extLst>
       <p:ext uri="{BB962C8B-B14F-4D97-AF65-F5344CB8AC3E}">
-        <p14:creationId xmlns:p14="http://schemas.microsoft.com/office/powerpoint/2010/main" val="186447777"/>
+        <p14:creationId xmlns:p14="http://schemas.microsoft.com/office/powerpoint/2010/main" val="2524971571"/>
       </p:ext>
     </p:extLst>
   </p:cSld>
   <p:clrMap bg1="lt1" tx1="dk1" bg2="lt2" tx2="dk2" accent1="accent1" accent2="accent2" accent3="accent3" accent4="accent4" accent5="accent5" accent6="accent6" hlink="hlink" folHlink="folHlink"/>
   <p:sldLayoutIdLst>
-    <p:sldLayoutId id="2147483649" r:id="rId1"/>
-    <p:sldLayoutId id="2147483650" r:id="rId2"/>
-    <p:sldLayoutId id="2147483651" r:id="rId3"/>
-    <p:sldLayoutId id="2147483652" r:id="rId4"/>
-    <p:sldLayoutId id="2147483653" r:id="rId5"/>
-    <p:sldLayoutId id="2147483654" r:id="rId6"/>
-    <p:sldLayoutId id="2147483655" r:id="rId7"/>
-    <p:sldLayoutId id="2147483656" r:id="rId8"/>
-    <p:sldLayoutId id="2147483657" r:id="rId9"/>
-    <p:sldLayoutId id="2147483658" r:id="rId10"/>
-    <p:sldLayoutId id="2147483659" r:id="rId11"/>
+    <p:sldLayoutId id="2147483661" r:id="rId1"/>
+    <p:sldLayoutId id="2147483662" r:id="rId2"/>
+    <p:sldLayoutId id="2147483663" r:id="rId3"/>
+    <p:sldLayoutId id="2147483664" r:id="rId4"/>
+    <p:sldLayoutId id="2147483665" r:id="rId5"/>
+    <p:sldLayoutId id="2147483666" r:id="rId6"/>
+    <p:sldLayoutId id="2147483667" r:id="rId7"/>
+    <p:sldLayoutId id="2147483668" r:id="rId8"/>
+    <p:sldLayoutId id="2147483669" r:id="rId9"/>
+    <p:sldLayoutId id="2147483670" r:id="rId10"/>
+    <p:sldLayoutId id="2147483671" r:id="rId11"/>
   </p:sldLayoutIdLst>
   <p:txStyles>
     <p:titleStyle>
-      <a:lvl1pPr algn="l" defTabSz="914400" rtl="0" eaLnBrk="1" latinLnBrk="0" hangingPunct="1">
+      <a:lvl1pPr algn="l" defTabSz="731520" rtl="0" eaLnBrk="1" latinLnBrk="0" hangingPunct="1">
         <a:lnSpc>
           <a:spcPct val="90000"/>
         </a:lnSpc>
@@ -2674,7 +2692,7 @@
           <a:spcPct val="0"/>
         </a:spcBef>
         <a:buNone/>
-        <a:defRPr sz="4400" kern="1200">
+        <a:defRPr sz="3520" kern="1200">
           <a:solidFill>
             <a:schemeClr val="tx1"/>
           </a:solidFill>
@@ -2685,16 +2703,16 @@
       </a:lvl1pPr>
     </p:titleStyle>
     <p:bodyStyle>
-      <a:lvl1pPr marL="228600" indent="-228600" algn="l" defTabSz="914400" rtl="0" eaLnBrk="1" latinLnBrk="0" hangingPunct="1">
+      <a:lvl1pPr marL="182880" indent="-182880" algn="l" defTabSz="731520" rtl="0" eaLnBrk="1" latinLnBrk="0" hangingPunct="1">
         <a:lnSpc>
           <a:spcPct val="90000"/>
         </a:lnSpc>
         <a:spcBef>
-          <a:spcPts val="1000"/>
+          <a:spcPts val="800"/>
         </a:spcBef>
         <a:buFont typeface="Arial" panose="020B0604020202020204" pitchFamily="34" charset="0"/>
         <a:buChar char="•"/>
-        <a:defRPr sz="2800" kern="1200">
+        <a:defRPr sz="2240" kern="1200">
           <a:solidFill>
             <a:schemeClr val="tx1"/>
           </a:solidFill>
@@ -2703,16 +2721,16 @@
           <a:cs typeface="+mn-cs"/>
         </a:defRPr>
       </a:lvl1pPr>
-      <a:lvl2pPr marL="685800" indent="-228600" algn="l" defTabSz="914400" rtl="0" eaLnBrk="1" latinLnBrk="0" hangingPunct="1">
+      <a:lvl2pPr marL="548640" indent="-182880" algn="l" defTabSz="731520" rtl="0" eaLnBrk="1" latinLnBrk="0" hangingPunct="1">
         <a:lnSpc>
           <a:spcPct val="90000"/>
         </a:lnSpc>
         <a:spcBef>
-          <a:spcPts val="500"/>
+          <a:spcPts val="400"/>
         </a:spcBef>
         <a:buFont typeface="Arial" panose="020B0604020202020204" pitchFamily="34" charset="0"/>
         <a:buChar char="•"/>
-        <a:defRPr sz="2400" kern="1200">
+        <a:defRPr sz="1920" kern="1200">
           <a:solidFill>
             <a:schemeClr val="tx1"/>
           </a:solidFill>
@@ -2721,16 +2739,16 @@
           <a:cs typeface="+mn-cs"/>
         </a:defRPr>
       </a:lvl2pPr>
-      <a:lvl3pPr marL="1143000" indent="-228600" algn="l" defTabSz="914400" rtl="0" eaLnBrk="1" latinLnBrk="0" hangingPunct="1">
+      <a:lvl3pPr marL="914400" indent="-182880" algn="l" defTabSz="731520" rtl="0" eaLnBrk="1" latinLnBrk="0" hangingPunct="1">
         <a:lnSpc>
           <a:spcPct val="90000"/>
         </a:lnSpc>
         <a:spcBef>
-          <a:spcPts val="500"/>
+          <a:spcPts val="400"/>
         </a:spcBef>
         <a:buFont typeface="Arial" panose="020B0604020202020204" pitchFamily="34" charset="0"/>
         <a:buChar char="•"/>
-        <a:defRPr sz="2000" kern="1200">
+        <a:defRPr sz="1600" kern="1200">
           <a:solidFill>
             <a:schemeClr val="tx1"/>
           </a:solidFill>
@@ -2739,16 +2757,16 @@
           <a:cs typeface="+mn-cs"/>
         </a:defRPr>
       </a:lvl3pPr>
-      <a:lvl4pPr marL="1600200" indent="-228600" algn="l" defTabSz="914400" rtl="0" eaLnBrk="1" latinLnBrk="0" hangingPunct="1">
+      <a:lvl4pPr marL="1280160" indent="-182880" algn="l" defTabSz="731520" rtl="0" eaLnBrk="1" latinLnBrk="0" hangingPunct="1">
         <a:lnSpc>
           <a:spcPct val="90000"/>
         </a:lnSpc>
         <a:spcBef>
-          <a:spcPts val="500"/>
+          <a:spcPts val="400"/>
         </a:spcBef>
         <a:buFont typeface="Arial" panose="020B0604020202020204" pitchFamily="34" charset="0"/>
         <a:buChar char="•"/>
-        <a:defRPr sz="1800" kern="1200">
+        <a:defRPr sz="1440" kern="1200">
           <a:solidFill>
             <a:schemeClr val="tx1"/>
           </a:solidFill>
@@ -2757,16 +2775,16 @@
           <a:cs typeface="+mn-cs"/>
         </a:defRPr>
       </a:lvl4pPr>
-      <a:lvl5pPr marL="2057400" indent="-228600" algn="l" defTabSz="914400" rtl="0" eaLnBrk="1" latinLnBrk="0" hangingPunct="1">
+      <a:lvl5pPr marL="1645920" indent="-182880" algn="l" defTabSz="731520" rtl="0" eaLnBrk="1" latinLnBrk="0" hangingPunct="1">
         <a:lnSpc>
           <a:spcPct val="90000"/>
         </a:lnSpc>
         <a:spcBef>
-          <a:spcPts val="500"/>
+          <a:spcPts val="400"/>
         </a:spcBef>
         <a:buFont typeface="Arial" panose="020B0604020202020204" pitchFamily="34" charset="0"/>
         <a:buChar char="•"/>
-        <a:defRPr sz="1800" kern="1200">
+        <a:defRPr sz="1440" kern="1200">
           <a:solidFill>
             <a:schemeClr val="tx1"/>
           </a:solidFill>
@@ -2775,16 +2793,16 @@
           <a:cs typeface="+mn-cs"/>
         </a:defRPr>
       </a:lvl5pPr>
-      <a:lvl6pPr marL="2514600" indent="-228600" algn="l" defTabSz="914400" rtl="0" eaLnBrk="1" latinLnBrk="0" hangingPunct="1">
+      <a:lvl6pPr marL="2011680" indent="-182880" algn="l" defTabSz="731520" rtl="0" eaLnBrk="1" latinLnBrk="0" hangingPunct="1">
         <a:lnSpc>
           <a:spcPct val="90000"/>
         </a:lnSpc>
         <a:spcBef>
-          <a:spcPts val="500"/>
+          <a:spcPts val="400"/>
         </a:spcBef>
         <a:buFont typeface="Arial" panose="020B0604020202020204" pitchFamily="34" charset="0"/>
         <a:buChar char="•"/>
-        <a:defRPr sz="1800" kern="1200">
+        <a:defRPr sz="1440" kern="1200">
           <a:solidFill>
             <a:schemeClr val="tx1"/>
           </a:solidFill>
@@ -2793,16 +2811,16 @@
           <a:cs typeface="+mn-cs"/>
         </a:defRPr>
       </a:lvl6pPr>
-      <a:lvl7pPr marL="2971800" indent="-228600" algn="l" defTabSz="914400" rtl="0" eaLnBrk="1" latinLnBrk="0" hangingPunct="1">
+      <a:lvl7pPr marL="2377440" indent="-182880" algn="l" defTabSz="731520" rtl="0" eaLnBrk="1" latinLnBrk="0" hangingPunct="1">
         <a:lnSpc>
           <a:spcPct val="90000"/>
         </a:lnSpc>
         <a:spcBef>
-          <a:spcPts val="500"/>
+          <a:spcPts val="400"/>
         </a:spcBef>
         <a:buFont typeface="Arial" panose="020B0604020202020204" pitchFamily="34" charset="0"/>
         <a:buChar char="•"/>
-        <a:defRPr sz="1800" kern="1200">
+        <a:defRPr sz="1440" kern="1200">
           <a:solidFill>
             <a:schemeClr val="tx1"/>
           </a:solidFill>
@@ -2811,16 +2829,16 @@
           <a:cs typeface="+mn-cs"/>
         </a:defRPr>
       </a:lvl7pPr>
-      <a:lvl8pPr marL="3429000" indent="-228600" algn="l" defTabSz="914400" rtl="0" eaLnBrk="1" latinLnBrk="0" hangingPunct="1">
+      <a:lvl8pPr marL="2743200" indent="-182880" algn="l" defTabSz="731520" rtl="0" eaLnBrk="1" latinLnBrk="0" hangingPunct="1">
         <a:lnSpc>
           <a:spcPct val="90000"/>
         </a:lnSpc>
         <a:spcBef>
-          <a:spcPts val="500"/>
+          <a:spcPts val="400"/>
         </a:spcBef>
         <a:buFont typeface="Arial" panose="020B0604020202020204" pitchFamily="34" charset="0"/>
         <a:buChar char="•"/>
-        <a:defRPr sz="1800" kern="1200">
+        <a:defRPr sz="1440" kern="1200">
           <a:solidFill>
             <a:schemeClr val="tx1"/>
           </a:solidFill>
@@ -2829,16 +2847,16 @@
           <a:cs typeface="+mn-cs"/>
         </a:defRPr>
       </a:lvl8pPr>
-      <a:lvl9pPr marL="3886200" indent="-228600" algn="l" defTabSz="914400" rtl="0" eaLnBrk="1" latinLnBrk="0" hangingPunct="1">
+      <a:lvl9pPr marL="3108960" indent="-182880" algn="l" defTabSz="731520" rtl="0" eaLnBrk="1" latinLnBrk="0" hangingPunct="1">
         <a:lnSpc>
           <a:spcPct val="90000"/>
         </a:lnSpc>
         <a:spcBef>
-          <a:spcPts val="500"/>
+          <a:spcPts val="400"/>
         </a:spcBef>
         <a:buFont typeface="Arial" panose="020B0604020202020204" pitchFamily="34" charset="0"/>
         <a:buChar char="•"/>
-        <a:defRPr sz="1800" kern="1200">
+        <a:defRPr sz="1440" kern="1200">
           <a:solidFill>
             <a:schemeClr val="tx1"/>
           </a:solidFill>
@@ -2852,8 +2870,8 @@
       <a:defPPr>
         <a:defRPr lang="en-US"/>
       </a:defPPr>
-      <a:lvl1pPr marL="0" algn="l" defTabSz="914400" rtl="0" eaLnBrk="1" latinLnBrk="0" hangingPunct="1">
-        <a:defRPr sz="1800" kern="1200">
+      <a:lvl1pPr marL="0" algn="l" defTabSz="731520" rtl="0" eaLnBrk="1" latinLnBrk="0" hangingPunct="1">
+        <a:defRPr sz="1440" kern="1200">
           <a:solidFill>
             <a:schemeClr val="tx1"/>
           </a:solidFill>
@@ -2862,8 +2880,8 @@
           <a:cs typeface="+mn-cs"/>
         </a:defRPr>
       </a:lvl1pPr>
-      <a:lvl2pPr marL="457200" algn="l" defTabSz="914400" rtl="0" eaLnBrk="1" latinLnBrk="0" hangingPunct="1">
-        <a:defRPr sz="1800" kern="1200">
+      <a:lvl2pPr marL="365760" algn="l" defTabSz="731520" rtl="0" eaLnBrk="1" latinLnBrk="0" hangingPunct="1">
+        <a:defRPr sz="1440" kern="1200">
           <a:solidFill>
             <a:schemeClr val="tx1"/>
           </a:solidFill>
@@ -2872,8 +2890,8 @@
           <a:cs typeface="+mn-cs"/>
         </a:defRPr>
       </a:lvl2pPr>
-      <a:lvl3pPr marL="914400" algn="l" defTabSz="914400" rtl="0" eaLnBrk="1" latinLnBrk="0" hangingPunct="1">
-        <a:defRPr sz="1800" kern="1200">
+      <a:lvl3pPr marL="731520" algn="l" defTabSz="731520" rtl="0" eaLnBrk="1" latinLnBrk="0" hangingPunct="1">
+        <a:defRPr sz="1440" kern="1200">
           <a:solidFill>
             <a:schemeClr val="tx1"/>
           </a:solidFill>
@@ -2882,8 +2900,8 @@
           <a:cs typeface="+mn-cs"/>
         </a:defRPr>
       </a:lvl3pPr>
-      <a:lvl4pPr marL="1371600" algn="l" defTabSz="914400" rtl="0" eaLnBrk="1" latinLnBrk="0" hangingPunct="1">
-        <a:defRPr sz="1800" kern="1200">
+      <a:lvl4pPr marL="1097280" algn="l" defTabSz="731520" rtl="0" eaLnBrk="1" latinLnBrk="0" hangingPunct="1">
+        <a:defRPr sz="1440" kern="1200">
           <a:solidFill>
             <a:schemeClr val="tx1"/>
           </a:solidFill>
@@ -2892,8 +2910,8 @@
           <a:cs typeface="+mn-cs"/>
         </a:defRPr>
       </a:lvl4pPr>
-      <a:lvl5pPr marL="1828800" algn="l" defTabSz="914400" rtl="0" eaLnBrk="1" latinLnBrk="0" hangingPunct="1">
-        <a:defRPr sz="1800" kern="1200">
+      <a:lvl5pPr marL="1463040" algn="l" defTabSz="731520" rtl="0" eaLnBrk="1" latinLnBrk="0" hangingPunct="1">
+        <a:defRPr sz="1440" kern="1200">
           <a:solidFill>
             <a:schemeClr val="tx1"/>
           </a:solidFill>
@@ -2902,8 +2920,8 @@
           <a:cs typeface="+mn-cs"/>
         </a:defRPr>
       </a:lvl5pPr>
-      <a:lvl6pPr marL="2286000" algn="l" defTabSz="914400" rtl="0" eaLnBrk="1" latinLnBrk="0" hangingPunct="1">
-        <a:defRPr sz="1800" kern="1200">
+      <a:lvl6pPr marL="1828800" algn="l" defTabSz="731520" rtl="0" eaLnBrk="1" latinLnBrk="0" hangingPunct="1">
+        <a:defRPr sz="1440" kern="1200">
           <a:solidFill>
             <a:schemeClr val="tx1"/>
           </a:solidFill>
@@ -2912,8 +2930,8 @@
           <a:cs typeface="+mn-cs"/>
         </a:defRPr>
       </a:lvl6pPr>
-      <a:lvl7pPr marL="2743200" algn="l" defTabSz="914400" rtl="0" eaLnBrk="1" latinLnBrk="0" hangingPunct="1">
-        <a:defRPr sz="1800" kern="1200">
+      <a:lvl7pPr marL="2194560" algn="l" defTabSz="731520" rtl="0" eaLnBrk="1" latinLnBrk="0" hangingPunct="1">
+        <a:defRPr sz="1440" kern="1200">
           <a:solidFill>
             <a:schemeClr val="tx1"/>
           </a:solidFill>
@@ -2922,8 +2940,8 @@
           <a:cs typeface="+mn-cs"/>
         </a:defRPr>
       </a:lvl7pPr>
-      <a:lvl8pPr marL="3200400" algn="l" defTabSz="914400" rtl="0" eaLnBrk="1" latinLnBrk="0" hangingPunct="1">
-        <a:defRPr sz="1800" kern="1200">
+      <a:lvl8pPr marL="2560320" algn="l" defTabSz="731520" rtl="0" eaLnBrk="1" latinLnBrk="0" hangingPunct="1">
+        <a:defRPr sz="1440" kern="1200">
           <a:solidFill>
             <a:schemeClr val="tx1"/>
           </a:solidFill>
@@ -2932,8 +2950,8 @@
           <a:cs typeface="+mn-cs"/>
         </a:defRPr>
       </a:lvl8pPr>
-      <a:lvl9pPr marL="3657600" algn="l" defTabSz="914400" rtl="0" eaLnBrk="1" latinLnBrk="0" hangingPunct="1">
-        <a:defRPr sz="1800" kern="1200">
+      <a:lvl9pPr marL="2926080" algn="l" defTabSz="731520" rtl="0" eaLnBrk="1" latinLnBrk="0" hangingPunct="1">
+        <a:defRPr sz="1440" kern="1200">
           <a:solidFill>
             <a:schemeClr val="tx1"/>
           </a:solidFill>
@@ -2972,10 +2990,10 @@
         </p:nvGrpSpPr>
         <p:grpSpPr>
           <a:xfrm>
-            <a:off x="3545041" y="879637"/>
-            <a:ext cx="4244173" cy="4131979"/>
+            <a:off x="-44469" y="0"/>
+            <a:ext cx="7273899" cy="7159281"/>
             <a:chOff x="3545041" y="879637"/>
-            <a:chExt cx="4244173" cy="4131979"/>
+            <a:chExt cx="3933226" cy="3907719"/>
           </a:xfrm>
         </p:grpSpPr>
         <p:grpSp>
@@ -2987,13 +3005,13 @@
           <p:grpSpPr>
             <a:xfrm>
               <a:off x="3545041" y="3184479"/>
-              <a:ext cx="3254590" cy="1827137"/>
+              <a:ext cx="3254590" cy="1602877"/>
               <a:chOff x="3545041" y="3184479"/>
-              <a:chExt cx="3254590" cy="1827137"/>
+              <a:chExt cx="3254590" cy="1602877"/>
             </a:xfrm>
           </p:grpSpPr>
-          <mc:AlternateContent xmlns:mc="http://schemas.openxmlformats.org/markup-compatibility/2006">
-            <mc:Choice xmlns:a14="http://schemas.microsoft.com/office/drawing/2010/main" Requires="a14">
+          <mc:AlternateContent xmlns:mc="http://schemas.openxmlformats.org/markup-compatibility/2006" xmlns:a14="http://schemas.microsoft.com/office/drawing/2010/main">
+            <mc:Choice Requires="a14">
               <p:sp>
                 <p:nvSpPr>
                   <p:cNvPr id="69" name="Rectangle 68"/>
@@ -3002,8 +3020,8 @@
                 </p:nvSpPr>
                 <p:spPr>
                   <a:xfrm>
-                    <a:off x="3599799" y="3184479"/>
-                    <a:ext cx="477951" cy="369332"/>
+                    <a:off x="3599798" y="3184479"/>
+                    <a:ext cx="346267" cy="285587"/>
                   </a:xfrm>
                   <a:prstGeom prst="rect">
                     <a:avLst/>
@@ -3025,14 +3043,14 @@
                           <m:sSub>
                             <m:sSubPr>
                               <m:ctrlPr>
-                                <a:rPr lang="en-US" b="0" i="1" smtClean="0">
-                                  <a:latin typeface="Cambria Math"/>
+                                <a:rPr lang="en-US" sz="2800" i="1">
+                                  <a:latin typeface="Cambria Math" panose="02040503050406030204" pitchFamily="18" charset="0"/>
                                 </a:rPr>
                               </m:ctrlPr>
                             </m:sSubPr>
                             <m:e>
                               <m:r>
-                                <a:rPr lang="en-US" b="0" i="1" smtClean="0">
+                                <a:rPr lang="en-US" sz="2800" i="1">
                                   <a:latin typeface="Cambria Math" panose="02040503050406030204" pitchFamily="18" charset="0"/>
                                 </a:rPr>
                                 <m:t>𝑢</m:t>
@@ -3040,7 +3058,7 @@
                             </m:e>
                             <m:sub>
                               <m:r>
-                                <a:rPr lang="en-US" b="0" i="1" smtClean="0">
+                                <a:rPr lang="en-US" sz="2800" i="1">
                                   <a:latin typeface="Cambria Math" panose="02040503050406030204" pitchFamily="18" charset="0"/>
                                 </a:rPr>
                                 <m:t>0</m:t>
@@ -3050,12 +3068,12 @@
                         </m:oMath>
                       </m:oMathPara>
                     </a14:m>
-                    <a:endParaRPr lang="en-US" dirty="0"/>
+                    <a:endParaRPr lang="en-US" sz="2800" dirty="0"/>
                   </a:p>
                 </p:txBody>
               </p:sp>
             </mc:Choice>
-            <mc:Fallback>
+            <mc:Fallback xmlns="">
               <p:sp>
                 <p:nvSpPr>
                   <p:cNvPr id="69" name="Rectangle 68"/>
@@ -3094,8 +3112,8 @@
               </p:sp>
             </mc:Fallback>
           </mc:AlternateContent>
-          <mc:AlternateContent xmlns:mc="http://schemas.openxmlformats.org/markup-compatibility/2006">
-            <mc:Choice xmlns:a14="http://schemas.microsoft.com/office/drawing/2010/main" Requires="a14">
+          <mc:AlternateContent xmlns:mc="http://schemas.openxmlformats.org/markup-compatibility/2006" xmlns:a14="http://schemas.microsoft.com/office/drawing/2010/main">
+            <mc:Choice Requires="a14">
               <p:sp>
                 <p:nvSpPr>
                   <p:cNvPr id="70" name="Rectangle 69"/>
@@ -3105,7 +3123,7 @@
                 <p:spPr>
                   <a:xfrm>
                     <a:off x="3589125" y="3653877"/>
-                    <a:ext cx="477951" cy="369332"/>
+                    <a:ext cx="341794" cy="285587"/>
                   </a:xfrm>
                   <a:prstGeom prst="rect">
                     <a:avLst/>
@@ -3127,14 +3145,14 @@
                           <m:sSub>
                             <m:sSubPr>
                               <m:ctrlPr>
-                                <a:rPr lang="en-US" b="0" i="1" smtClean="0">
-                                  <a:latin typeface="Cambria Math"/>
+                                <a:rPr lang="en-US" sz="2800" i="1">
+                                  <a:latin typeface="Cambria Math" panose="02040503050406030204" pitchFamily="18" charset="0"/>
                                 </a:rPr>
                               </m:ctrlPr>
                             </m:sSubPr>
                             <m:e>
                               <m:r>
-                                <a:rPr lang="en-US" b="0" i="1" smtClean="0">
+                                <a:rPr lang="en-US" sz="2800" i="1">
                                   <a:latin typeface="Cambria Math" panose="02040503050406030204" pitchFamily="18" charset="0"/>
                                 </a:rPr>
                                 <m:t>𝑢</m:t>
@@ -3142,7 +3160,7 @@
                             </m:e>
                             <m:sub>
                               <m:r>
-                                <a:rPr lang="en-US" b="0" i="1" smtClean="0">
+                                <a:rPr lang="en-US" sz="2800" i="1">
                                   <a:latin typeface="Cambria Math" panose="02040503050406030204" pitchFamily="18" charset="0"/>
                                 </a:rPr>
                                 <m:t>1</m:t>
@@ -3152,12 +3170,12 @@
                         </m:oMath>
                       </m:oMathPara>
                     </a14:m>
-                    <a:endParaRPr lang="en-US" dirty="0"/>
+                    <a:endParaRPr lang="en-US" sz="2800" dirty="0"/>
                   </a:p>
                 </p:txBody>
               </p:sp>
             </mc:Choice>
-            <mc:Fallback>
+            <mc:Fallback xmlns="">
               <p:sp>
                 <p:nvSpPr>
                   <p:cNvPr id="70" name="Rectangle 69"/>
@@ -3196,8 +3214,8 @@
               </p:sp>
             </mc:Fallback>
           </mc:AlternateContent>
-          <mc:AlternateContent xmlns:mc="http://schemas.openxmlformats.org/markup-compatibility/2006">
-            <mc:Choice xmlns:a14="http://schemas.microsoft.com/office/drawing/2010/main" Requires="a14">
+          <mc:AlternateContent xmlns:mc="http://schemas.openxmlformats.org/markup-compatibility/2006" xmlns:a14="http://schemas.microsoft.com/office/drawing/2010/main">
+            <mc:Choice Requires="a14">
               <p:sp>
                 <p:nvSpPr>
                   <p:cNvPr id="71" name="Rectangle 70"/>
@@ -3207,7 +3225,7 @@
                 <p:spPr>
                   <a:xfrm>
                     <a:off x="3545041" y="4458468"/>
-                    <a:ext cx="566117" cy="369332"/>
+                    <a:ext cx="428612" cy="285587"/>
                   </a:xfrm>
                   <a:prstGeom prst="rect">
                     <a:avLst/>
@@ -3229,14 +3247,14 @@
                           <m:sSub>
                             <m:sSubPr>
                               <m:ctrlPr>
-                                <a:rPr lang="en-US" b="0" i="1" smtClean="0">
-                                  <a:latin typeface="Cambria Math"/>
+                                <a:rPr lang="en-US" sz="2800" i="1" smtClean="0">
+                                  <a:latin typeface="Cambria Math" panose="02040503050406030204" pitchFamily="18" charset="0"/>
                                 </a:rPr>
                               </m:ctrlPr>
                             </m:sSubPr>
                             <m:e>
                               <m:r>
-                                <a:rPr lang="en-US" b="0" i="1" smtClean="0">
+                                <a:rPr lang="en-US" sz="2800" i="1">
                                   <a:latin typeface="Cambria Math" panose="02040503050406030204" pitchFamily="18" charset="0"/>
                                 </a:rPr>
                                 <m:t>𝑢</m:t>
@@ -3244,22 +3262,22 @@
                             </m:e>
                             <m:sub>
                               <m:r>
-                                <a:rPr lang="en-US" b="0" i="1" smtClean="0">
-                                  <a:latin typeface="Cambria Math"/>
+                                <a:rPr lang="en-US" sz="2800" b="0" i="1" smtClean="0">
+                                  <a:latin typeface="Cambria Math" panose="02040503050406030204" pitchFamily="18" charset="0"/>
                                 </a:rPr>
-                                <m:t>99</m:t>
+                                <m:t>48</m:t>
                               </m:r>
                             </m:sub>
                           </m:sSub>
                         </m:oMath>
                       </m:oMathPara>
                     </a14:m>
-                    <a:endParaRPr lang="en-US" dirty="0"/>
+                    <a:endParaRPr lang="en-US" sz="2800" dirty="0"/>
                   </a:p>
                 </p:txBody>
               </p:sp>
             </mc:Choice>
-            <mc:Fallback>
+            <mc:Fallback xmlns="">
               <p:sp>
                 <p:nvSpPr>
                   <p:cNvPr id="71" name="Rectangle 70"/>
@@ -3271,12 +3289,12 @@
                 <p:spPr>
                   <a:xfrm>
                     <a:off x="3545041" y="4458468"/>
-                    <a:ext cx="566117" cy="369332"/>
+                    <a:ext cx="428612" cy="285587"/>
                   </a:xfrm>
                   <a:prstGeom prst="rect">
                     <a:avLst/>
                   </a:prstGeom>
-                  <a:blipFill rotWithShape="1">
+                  <a:blipFill rotWithShape="0">
                     <a:blip r:embed="rId4"/>
                     <a:stretch>
                       <a:fillRect/>
@@ -3298,8 +3316,8 @@
               </p:sp>
             </mc:Fallback>
           </mc:AlternateContent>
-          <mc:AlternateContent xmlns:mc="http://schemas.openxmlformats.org/markup-compatibility/2006">
-            <mc:Choice xmlns:a14="http://schemas.microsoft.com/office/drawing/2010/main" Requires="a14">
+          <mc:AlternateContent xmlns:mc="http://schemas.openxmlformats.org/markup-compatibility/2006" xmlns:a14="http://schemas.microsoft.com/office/drawing/2010/main">
+            <mc:Choice Requires="a14">
               <p:sp>
                 <p:nvSpPr>
                   <p:cNvPr id="72" name="Rectangle 71"/>
@@ -3308,8 +3326,8 @@
                 </p:nvSpPr>
                 <p:spPr>
                   <a:xfrm>
-                    <a:off x="3621407" y="4118320"/>
-                    <a:ext cx="434734" cy="369332"/>
+                    <a:off x="3621407" y="4118319"/>
+                    <a:ext cx="434734" cy="285587"/>
                   </a:xfrm>
                   <a:prstGeom prst="rect">
                     <a:avLst/>
@@ -3329,7 +3347,7 @@
                         </m:oMathParaPr>
                         <m:oMath xmlns:m="http://schemas.openxmlformats.org/officeDocument/2006/math">
                           <m:r>
-                            <a:rPr lang="en-US" b="0" i="1" smtClean="0">
+                            <a:rPr lang="en-US" sz="2800" i="1">
                               <a:latin typeface="Cambria Math" panose="02040503050406030204" pitchFamily="18" charset="0"/>
                               <a:ea typeface="Cambria Math" panose="02040503050406030204" pitchFamily="18" charset="0"/>
                             </a:rPr>
@@ -3338,12 +3356,12 @@
                         </m:oMath>
                       </m:oMathPara>
                     </a14:m>
-                    <a:endParaRPr lang="en-US" dirty="0"/>
+                    <a:endParaRPr lang="en-US" sz="2800" dirty="0"/>
                   </a:p>
                 </p:txBody>
               </p:sp>
             </mc:Choice>
-            <mc:Fallback>
+            <mc:Fallback xmlns="">
               <p:sp>
                 <p:nvSpPr>
                   <p:cNvPr id="72" name="Rectangle 71"/>
@@ -3392,9 +3410,9 @@
               <p:nvPr/>
             </p:nvCxnSpPr>
             <p:spPr>
-              <a:xfrm flipV="1">
-                <a:off x="4067076" y="3836417"/>
-                <a:ext cx="782770" cy="2126"/>
+              <a:xfrm>
+                <a:off x="3930919" y="3796670"/>
+                <a:ext cx="918927" cy="39746"/>
               </a:xfrm>
               <a:prstGeom prst="straightConnector1">
                 <a:avLst/>
@@ -3432,8 +3450,8 @@
             </p:nvCxnSpPr>
             <p:spPr>
               <a:xfrm>
-                <a:off x="4077750" y="3369145"/>
-                <a:ext cx="772096" cy="467272"/>
+                <a:off x="3946065" y="3327272"/>
+                <a:ext cx="903781" cy="509144"/>
               </a:xfrm>
               <a:prstGeom prst="straightConnector1">
                 <a:avLst/>
@@ -3471,8 +3489,8 @@
             </p:nvCxnSpPr>
             <p:spPr>
               <a:xfrm flipV="1">
-                <a:off x="4111158" y="3836417"/>
-                <a:ext cx="738688" cy="806717"/>
+                <a:off x="3973653" y="3836416"/>
+                <a:ext cx="876193" cy="764845"/>
               </a:xfrm>
               <a:prstGeom prst="straightConnector1">
                 <a:avLst/>
@@ -3499,8 +3517,8 @@
               </a:fontRef>
             </p:style>
           </p:cxnSp>
-          <mc:AlternateContent xmlns:mc="http://schemas.openxmlformats.org/markup-compatibility/2006">
-            <mc:Choice xmlns:a14="http://schemas.microsoft.com/office/drawing/2010/main" Requires="a14">
+          <mc:AlternateContent xmlns:mc="http://schemas.openxmlformats.org/markup-compatibility/2006" xmlns:a14="http://schemas.microsoft.com/office/drawing/2010/main">
+            <mc:Choice Requires="a14">
               <p:sp>
                 <p:nvSpPr>
                   <p:cNvPr id="76" name="TextBox 75"/>
@@ -3509,8 +3527,8 @@
                 </p:nvSpPr>
                 <p:spPr>
                   <a:xfrm>
-                    <a:off x="6232857" y="3467558"/>
-                    <a:ext cx="317331" cy="298223"/>
+                    <a:off x="6232857" y="3554356"/>
+                    <a:ext cx="261876" cy="251674"/>
                   </a:xfrm>
                   <a:prstGeom prst="rect">
                     <a:avLst/>
@@ -3533,8 +3551,8 @@
                           <m:sSub>
                             <m:sSubPr>
                               <m:ctrlPr>
-                                <a:rPr lang="cy-GB" i="1" smtClean="0">
-                                  <a:latin typeface="Cambria Math"/>
+                                <a:rPr lang="cy-GB" sz="2800" i="1">
+                                  <a:latin typeface="Cambria Math" panose="02040503050406030204" pitchFamily="18" charset="0"/>
                                 </a:rPr>
                               </m:ctrlPr>
                             </m:sSubPr>
@@ -3543,20 +3561,20 @@
                                 <m:rPr>
                                   <m:nor/>
                                 </m:rPr>
-                                <a:rPr lang="cy-GB" smtClean="0"/>
+                                <a:rPr lang="cy-GB" sz="2800"/>
                                 <m:t>ŷ</m:t>
                               </m:r>
                               <m:r>
                                 <m:rPr>
                                   <m:nor/>
                                 </m:rPr>
-                                <a:rPr lang="en-US" dirty="0" smtClean="0"/>
+                                <a:rPr lang="en-US" sz="2800" dirty="0"/>
                                 <m:t> </m:t>
                               </m:r>
                             </m:e>
                             <m:sub>
                               <m:r>
-                                <a:rPr lang="en-US" b="0" i="1" smtClean="0">
+                                <a:rPr lang="en-US" sz="2800" i="1">
                                   <a:latin typeface="Cambria Math"/>
                                 </a:rPr>
                                 <m:t>1</m:t>
@@ -3566,12 +3584,12 @@
                         </m:oMath>
                       </m:oMathPara>
                     </a14:m>
-                    <a:endParaRPr lang="en-US" dirty="0"/>
+                    <a:endParaRPr lang="en-US" sz="2800" dirty="0"/>
                   </a:p>
                 </p:txBody>
               </p:sp>
             </mc:Choice>
-            <mc:Fallback>
+            <mc:Fallback xmlns="">
               <p:sp>
                 <p:nvSpPr>
                   <p:cNvPr id="76" name="TextBox 75"/>
@@ -3582,16 +3600,16 @@
                 </p:nvSpPr>
                 <p:spPr>
                   <a:xfrm>
-                    <a:off x="6232857" y="3467558"/>
-                    <a:ext cx="317331" cy="298223"/>
+                    <a:off x="6232857" y="3554356"/>
+                    <a:ext cx="261876" cy="251674"/>
                   </a:xfrm>
                   <a:prstGeom prst="rect">
                     <a:avLst/>
                   </a:prstGeom>
-                  <a:blipFill rotWithShape="1">
+                  <a:blipFill rotWithShape="0">
                     <a:blip r:embed="rId6"/>
                     <a:stretch>
-                      <a:fillRect l="-20755" r="-5660" b="-20408"/>
+                      <a:fillRect/>
                     </a:stretch>
                   </a:blipFill>
                 </p:spPr>
@@ -3613,13 +3631,15 @@
           <p:cxnSp>
             <p:nvCxnSpPr>
               <p:cNvPr id="77" name="Straight Connector 76"/>
-              <p:cNvCxnSpPr/>
+              <p:cNvCxnSpPr>
+                <a:stCxn id="79" idx="6"/>
+              </p:cNvCxnSpPr>
               <p:nvPr/>
             </p:nvCxnSpPr>
             <p:spPr>
-              <a:xfrm flipV="1">
-                <a:off x="5832795" y="3836420"/>
-                <a:ext cx="966836" cy="1"/>
+              <a:xfrm>
+                <a:off x="5812929" y="3836416"/>
+                <a:ext cx="986702" cy="4"/>
               </a:xfrm>
               <a:prstGeom prst="line">
                 <a:avLst/>
@@ -3645,311 +3665,54 @@
               </a:fontRef>
             </p:style>
           </p:cxnSp>
-          <p:grpSp>
-            <p:nvGrpSpPr>
-              <p:cNvPr id="78" name="Group 77"/>
-              <p:cNvGrpSpPr/>
+          <p:sp>
+            <p:nvSpPr>
+              <p:cNvPr id="79" name="Oval 78"/>
+              <p:cNvSpPr/>
               <p:nvPr/>
-            </p:nvGrpSpPr>
-            <p:grpSpPr>
+            </p:nvSpPr>
+            <p:spPr>
               <a:xfrm>
                 <a:off x="4849846" y="3354875"/>
                 <a:ext cx="963083" cy="963083"/>
-                <a:chOff x="4944533" y="3685117"/>
-                <a:chExt cx="1659467" cy="1659467"/>
               </a:xfrm>
-            </p:grpSpPr>
-            <p:sp>
-              <p:nvSpPr>
-                <p:cNvPr id="79" name="Oval 78"/>
-                <p:cNvSpPr/>
-                <p:nvPr/>
-              </p:nvSpPr>
-              <p:spPr>
-                <a:xfrm>
-                  <a:off x="4944533" y="3685117"/>
-                  <a:ext cx="1659467" cy="1659467"/>
-                </a:xfrm>
-                <a:prstGeom prst="ellipse">
-                  <a:avLst/>
-                </a:prstGeom>
-                <a:noFill/>
-                <a:ln w="38100">
-                  <a:solidFill>
-                    <a:schemeClr val="tx1"/>
-                  </a:solidFill>
-                </a:ln>
-              </p:spPr>
-              <p:style>
-                <a:lnRef idx="2">
-                  <a:schemeClr val="accent1">
-                    <a:shade val="50000"/>
-                  </a:schemeClr>
-                </a:lnRef>
-                <a:fillRef idx="1">
-                  <a:schemeClr val="accent1"/>
-                </a:fillRef>
-                <a:effectRef idx="0">
-                  <a:schemeClr val="accent1"/>
-                </a:effectRef>
-                <a:fontRef idx="minor">
-                  <a:schemeClr val="lt1"/>
-                </a:fontRef>
-              </p:style>
-              <p:txBody>
-                <a:bodyPr rtlCol="0" anchor="ctr"/>
-                <a:lstStyle/>
-                <a:p>
-                  <a:pPr algn="ctr"/>
-                  <a:endParaRPr lang="en-US"/>
-                </a:p>
-              </p:txBody>
-            </p:sp>
-            <p:grpSp>
-              <p:nvGrpSpPr>
-                <p:cNvPr id="80" name="Group 79"/>
-                <p:cNvGrpSpPr/>
-                <p:nvPr/>
-              </p:nvGrpSpPr>
-              <p:grpSpPr>
-                <a:xfrm>
-                  <a:off x="5253830" y="4136210"/>
-                  <a:ext cx="1078442" cy="757280"/>
-                  <a:chOff x="5253830" y="4136210"/>
-                  <a:chExt cx="1078442" cy="757280"/>
-                </a:xfrm>
-              </p:grpSpPr>
-              <p:grpSp>
-                <p:nvGrpSpPr>
-                  <p:cNvPr id="81" name="Group 80"/>
-                  <p:cNvGrpSpPr/>
-                  <p:nvPr/>
-                </p:nvGrpSpPr>
-                <p:grpSpPr>
-                  <a:xfrm>
-                    <a:off x="5253830" y="4552039"/>
-                    <a:ext cx="476404" cy="341451"/>
-                    <a:chOff x="7296150" y="3594836"/>
-                    <a:chExt cx="660515" cy="253428"/>
-                  </a:xfrm>
-                </p:grpSpPr>
-                <p:sp>
-                  <p:nvSpPr>
-                    <p:cNvPr id="86" name="Arc 85"/>
-                    <p:cNvSpPr/>
-                    <p:nvPr/>
-                  </p:nvSpPr>
-                  <p:spPr>
-                    <a:xfrm rot="5400000">
-                      <a:off x="7528943" y="3420542"/>
-                      <a:ext cx="253428" cy="602016"/>
-                    </a:xfrm>
-                    <a:prstGeom prst="arc">
-                      <a:avLst>
-                        <a:gd name="adj1" fmla="val 16347473"/>
-                        <a:gd name="adj2" fmla="val 0"/>
-                      </a:avLst>
-                    </a:prstGeom>
-                    <a:ln w="38100">
-                      <a:solidFill>
-                        <a:schemeClr val="tx1"/>
-                      </a:solidFill>
-                    </a:ln>
-                  </p:spPr>
-                  <p:style>
-                    <a:lnRef idx="1">
-                      <a:schemeClr val="accent1"/>
-                    </a:lnRef>
-                    <a:fillRef idx="0">
-                      <a:schemeClr val="accent1"/>
-                    </a:fillRef>
-                    <a:effectRef idx="0">
-                      <a:schemeClr val="accent1"/>
-                    </a:effectRef>
-                    <a:fontRef idx="minor">
-                      <a:schemeClr val="tx1"/>
-                    </a:fontRef>
-                  </p:style>
-                  <p:txBody>
-                    <a:bodyPr rtlCol="0" anchor="ctr"/>
-                    <a:lstStyle/>
-                    <a:p>
-                      <a:pPr algn="ctr"/>
-                      <a:endParaRPr lang="en-US"/>
-                    </a:p>
-                  </p:txBody>
-                </p:sp>
-                <p:cxnSp>
-                  <p:nvCxnSpPr>
-                    <p:cNvPr id="87" name="Straight Connector 86"/>
-                    <p:cNvCxnSpPr/>
-                    <p:nvPr/>
-                  </p:nvCxnSpPr>
-                  <p:spPr>
-                    <a:xfrm flipH="1">
-                      <a:off x="7296150" y="3848264"/>
-                      <a:ext cx="372322" cy="0"/>
-                    </a:xfrm>
-                    <a:prstGeom prst="line">
-                      <a:avLst/>
-                    </a:prstGeom>
-                    <a:ln w="38100">
-                      <a:solidFill>
-                        <a:schemeClr val="tx1"/>
-                      </a:solidFill>
-                    </a:ln>
-                  </p:spPr>
-                  <p:style>
-                    <a:lnRef idx="1">
-                      <a:schemeClr val="accent1"/>
-                    </a:lnRef>
-                    <a:fillRef idx="0">
-                      <a:schemeClr val="accent1"/>
-                    </a:fillRef>
-                    <a:effectRef idx="0">
-                      <a:schemeClr val="accent1"/>
-                    </a:effectRef>
-                    <a:fontRef idx="minor">
-                      <a:schemeClr val="tx1"/>
-                    </a:fontRef>
-                  </p:style>
-                </p:cxnSp>
-              </p:grpSp>
-              <p:grpSp>
-                <p:nvGrpSpPr>
-                  <p:cNvPr id="82" name="Group 81"/>
-                  <p:cNvGrpSpPr/>
-                  <p:nvPr/>
-                </p:nvGrpSpPr>
-                <p:grpSpPr>
-                  <a:xfrm rot="10800000">
-                    <a:off x="5855868" y="4136210"/>
-                    <a:ext cx="476404" cy="341451"/>
-                    <a:chOff x="7296150" y="3594836"/>
-                    <a:chExt cx="660515" cy="253428"/>
-                  </a:xfrm>
-                </p:grpSpPr>
-                <p:sp>
-                  <p:nvSpPr>
-                    <p:cNvPr id="84" name="Arc 83"/>
-                    <p:cNvSpPr/>
-                    <p:nvPr/>
-                  </p:nvSpPr>
-                  <p:spPr>
-                    <a:xfrm rot="5400000">
-                      <a:off x="7528943" y="3420542"/>
-                      <a:ext cx="253428" cy="602016"/>
-                    </a:xfrm>
-                    <a:prstGeom prst="arc">
-                      <a:avLst>
-                        <a:gd name="adj1" fmla="val 16347473"/>
-                        <a:gd name="adj2" fmla="val 0"/>
-                      </a:avLst>
-                    </a:prstGeom>
-                    <a:ln w="38100">
-                      <a:solidFill>
-                        <a:schemeClr val="tx1"/>
-                      </a:solidFill>
-                    </a:ln>
-                  </p:spPr>
-                  <p:style>
-                    <a:lnRef idx="1">
-                      <a:schemeClr val="accent1"/>
-                    </a:lnRef>
-                    <a:fillRef idx="0">
-                      <a:schemeClr val="accent1"/>
-                    </a:fillRef>
-                    <a:effectRef idx="0">
-                      <a:schemeClr val="accent1"/>
-                    </a:effectRef>
-                    <a:fontRef idx="minor">
-                      <a:schemeClr val="tx1"/>
-                    </a:fontRef>
-                  </p:style>
-                  <p:txBody>
-                    <a:bodyPr rtlCol="0" anchor="ctr"/>
-                    <a:lstStyle/>
-                    <a:p>
-                      <a:pPr algn="ctr"/>
-                      <a:endParaRPr lang="en-US"/>
-                    </a:p>
-                  </p:txBody>
-                </p:sp>
-                <p:cxnSp>
-                  <p:nvCxnSpPr>
-                    <p:cNvPr id="85" name="Straight Connector 84"/>
-                    <p:cNvCxnSpPr/>
-                    <p:nvPr/>
-                  </p:nvCxnSpPr>
-                  <p:spPr>
-                    <a:xfrm flipH="1">
-                      <a:off x="7296150" y="3848264"/>
-                      <a:ext cx="372322" cy="0"/>
-                    </a:xfrm>
-                    <a:prstGeom prst="line">
-                      <a:avLst/>
-                    </a:prstGeom>
-                    <a:ln w="38100">
-                      <a:solidFill>
-                        <a:schemeClr val="tx1"/>
-                      </a:solidFill>
-                    </a:ln>
-                  </p:spPr>
-                  <p:style>
-                    <a:lnRef idx="1">
-                      <a:schemeClr val="accent1"/>
-                    </a:lnRef>
-                    <a:fillRef idx="0">
-                      <a:schemeClr val="accent1"/>
-                    </a:fillRef>
-                    <a:effectRef idx="0">
-                      <a:schemeClr val="accent1"/>
-                    </a:effectRef>
-                    <a:fontRef idx="minor">
-                      <a:schemeClr val="tx1"/>
-                    </a:fontRef>
-                  </p:style>
-                </p:cxnSp>
-              </p:grpSp>
-              <p:cxnSp>
-                <p:nvCxnSpPr>
-                  <p:cNvPr id="83" name="Straight Connector 82"/>
-                  <p:cNvCxnSpPr/>
-                  <p:nvPr/>
-                </p:nvCxnSpPr>
-                <p:spPr>
-                  <a:xfrm flipH="1">
-                    <a:off x="5726799" y="4249138"/>
-                    <a:ext cx="144138" cy="508264"/>
-                  </a:xfrm>
-                  <a:prstGeom prst="line">
-                    <a:avLst/>
-                  </a:prstGeom>
-                  <a:ln w="38100">
-                    <a:solidFill>
-                      <a:schemeClr val="tx1"/>
-                    </a:solidFill>
-                  </a:ln>
-                </p:spPr>
-                <p:style>
-                  <a:lnRef idx="1">
-                    <a:schemeClr val="accent1"/>
-                  </a:lnRef>
-                  <a:fillRef idx="0">
-                    <a:schemeClr val="accent1"/>
-                  </a:fillRef>
-                  <a:effectRef idx="0">
-                    <a:schemeClr val="accent1"/>
-                  </a:effectRef>
-                  <a:fontRef idx="minor">
-                    <a:schemeClr val="tx1"/>
-                  </a:fontRef>
-                </p:style>
-              </p:cxnSp>
-            </p:grpSp>
-          </p:grpSp>
-          <mc:AlternateContent xmlns:mc="http://schemas.openxmlformats.org/markup-compatibility/2006">
-            <mc:Choice xmlns:a14="http://schemas.microsoft.com/office/drawing/2010/main" Requires="a14">
+              <a:prstGeom prst="ellipse">
+                <a:avLst/>
+              </a:prstGeom>
+              <a:noFill/>
+              <a:ln w="38100">
+                <a:solidFill>
+                  <a:schemeClr val="tx1"/>
+                </a:solidFill>
+              </a:ln>
+            </p:spPr>
+            <p:style>
+              <a:lnRef idx="2">
+                <a:schemeClr val="accent1">
+                  <a:shade val="50000"/>
+                </a:schemeClr>
+              </a:lnRef>
+              <a:fillRef idx="1">
+                <a:schemeClr val="accent1"/>
+              </a:fillRef>
+              <a:effectRef idx="0">
+                <a:schemeClr val="accent1"/>
+              </a:effectRef>
+              <a:fontRef idx="minor">
+                <a:schemeClr val="lt1"/>
+              </a:fontRef>
+            </p:style>
+            <p:txBody>
+              <a:bodyPr rtlCol="0" anchor="ctr"/>
+              <a:lstStyle/>
+              <a:p>
+                <a:pPr algn="ctr"/>
+                <a:endParaRPr lang="en-US" sz="2800"/>
+              </a:p>
+            </p:txBody>
+          </p:sp>
+          <mc:AlternateContent xmlns:mc="http://schemas.openxmlformats.org/markup-compatibility/2006" xmlns:a14="http://schemas.microsoft.com/office/drawing/2010/main">
+            <mc:Choice Requires="a14">
               <p:sp>
                 <p:nvSpPr>
                   <p:cNvPr id="88" name="Rectangle 87"/>
@@ -3958,8 +3721,8 @@
                 </p:nvSpPr>
                 <p:spPr>
                   <a:xfrm>
-                    <a:off x="4341817" y="4642284"/>
-                    <a:ext cx="1916487" cy="369332"/>
+                    <a:off x="4566121" y="4501769"/>
+                    <a:ext cx="1559086" cy="285587"/>
                   </a:xfrm>
                   <a:prstGeom prst="rect">
                     <a:avLst/>
@@ -3979,19 +3742,19 @@
                         </m:oMathParaPr>
                         <m:oMath xmlns:m="http://schemas.openxmlformats.org/officeDocument/2006/math">
                           <m:r>
-                            <a:rPr lang="en-US" b="0" i="1" smtClean="0">
+                            <a:rPr lang="en-US" sz="2800" i="1">
                               <a:latin typeface="Cambria Math"/>
                             </a:rPr>
                             <m:t>𝑓𝑒𝑚𝑎𝑙𝑒</m:t>
                           </m:r>
                           <m:r>
-                            <a:rPr lang="en-US" b="0" i="1" smtClean="0">
+                            <a:rPr lang="en-US" sz="2800" i="1">
                               <a:latin typeface="Cambria Math"/>
                             </a:rPr>
                             <m:t> </m:t>
                           </m:r>
                           <m:r>
-                            <a:rPr lang="en-US" b="0" i="1" smtClean="0">
+                            <a:rPr lang="en-US" sz="2800" i="1">
                               <a:latin typeface="Cambria Math"/>
                             </a:rPr>
                             <m:t>𝑛𝑒𝑡𝑤𝑜𝑟𝑘</m:t>
@@ -3999,12 +3762,12 @@
                         </m:oMath>
                       </m:oMathPara>
                     </a14:m>
-                    <a:endParaRPr lang="en-US" dirty="0"/>
+                    <a:endParaRPr lang="en-US" sz="2800" dirty="0"/>
                   </a:p>
                 </p:txBody>
               </p:sp>
             </mc:Choice>
-            <mc:Fallback>
+            <mc:Fallback xmlns="">
               <p:sp>
                 <p:nvSpPr>
                   <p:cNvPr id="88" name="Rectangle 87"/>
@@ -4015,16 +3778,16 @@
                 </p:nvSpPr>
                 <p:spPr>
                   <a:xfrm>
-                    <a:off x="4341817" y="4642284"/>
-                    <a:ext cx="1916487" cy="369332"/>
+                    <a:off x="4566121" y="4501769"/>
+                    <a:ext cx="1559086" cy="285587"/>
                   </a:xfrm>
                   <a:prstGeom prst="rect">
                     <a:avLst/>
                   </a:prstGeom>
-                  <a:blipFill rotWithShape="1">
+                  <a:blipFill rotWithShape="0">
                     <a:blip r:embed="rId7"/>
                     <a:stretch>
-                      <a:fillRect b="-13333"/>
+                      <a:fillRect/>
                     </a:stretch>
                   </a:blipFill>
                 </p:spPr>
@@ -4052,10 +3815,10 @@
           </p:nvGrpSpPr>
           <p:grpSpPr>
             <a:xfrm>
-              <a:off x="6800892" y="1524854"/>
-              <a:ext cx="988322" cy="2304842"/>
-              <a:chOff x="6800892" y="1524854"/>
-              <a:chExt cx="988322" cy="2304842"/>
+              <a:off x="6793726" y="1531575"/>
+              <a:ext cx="684541" cy="2304840"/>
+              <a:chOff x="6793726" y="1531575"/>
+              <a:chExt cx="684541" cy="2304840"/>
             </a:xfrm>
           </p:grpSpPr>
           <p:sp>
@@ -4066,8 +3829,8 @@
             </p:nvSpPr>
             <p:spPr>
               <a:xfrm>
-                <a:off x="6800892" y="1524854"/>
-                <a:ext cx="502174" cy="2304842"/>
+                <a:off x="6793726" y="1531575"/>
+                <a:ext cx="502174" cy="2304840"/>
               </a:xfrm>
               <a:prstGeom prst="rightBrace">
                 <a:avLst>
@@ -4100,7 +3863,7 @@
               <a:lstStyle/>
               <a:p>
                 <a:pPr algn="ctr"/>
-                <a:endParaRPr lang="en-US"/>
+                <a:endParaRPr lang="en-US" sz="2800"/>
               </a:p>
             </p:txBody>
           </p:sp>
@@ -4114,8 +3877,8 @@
                 </p:nvSpPr>
                 <p:spPr>
                   <a:xfrm>
-                    <a:off x="7383334" y="2456160"/>
-                    <a:ext cx="405880" cy="369332"/>
+                    <a:off x="7204187" y="2398296"/>
+                    <a:ext cx="274080" cy="285587"/>
                   </a:xfrm>
                   <a:prstGeom prst="rect">
                     <a:avLst/>
@@ -4138,11 +3901,11 @@
                             <m:rPr>
                               <m:nor/>
                             </m:rPr>
-                            <a:rPr lang="cy-GB"/>
-                            <m:t>ŷ</m:t>
+                            <a:rPr lang="en-US" sz="2800" b="0" i="0" smtClean="0"/>
+                            <m:t>y</m:t>
                           </m:r>
                           <m:r>
-                            <a:rPr lang="en-US" b="0" i="1" smtClean="0">
+                            <a:rPr lang="en-US" sz="2800" i="1">
                               <a:latin typeface="Cambria Math"/>
                             </a:rPr>
                             <m:t>⁡</m:t>
@@ -4150,7 +3913,7 @@
                         </m:oMath>
                       </m:oMathPara>
                     </a14:m>
-                    <a:endParaRPr lang="en-US" dirty="0"/>
+                    <a:endParaRPr lang="en-US" sz="2800" dirty="0"/>
                   </a:p>
                 </p:txBody>
               </p:sp>
@@ -4166,16 +3929,16 @@
                 </p:nvSpPr>
                 <p:spPr>
                   <a:xfrm>
-                    <a:off x="7383334" y="2456160"/>
-                    <a:ext cx="405880" cy="369332"/>
+                    <a:off x="7204187" y="2398296"/>
+                    <a:ext cx="274080" cy="285587"/>
                   </a:xfrm>
                   <a:prstGeom prst="rect">
                     <a:avLst/>
                   </a:prstGeom>
-                  <a:blipFill rotWithShape="1">
+                  <a:blipFill rotWithShape="0">
                     <a:blip r:embed="rId8"/>
                     <a:stretch>
-                      <a:fillRect b="-10000"/>
+                      <a:fillRect/>
                     </a:stretch>
                   </a:blipFill>
                 </p:spPr>
@@ -4204,21 +3967,23 @@
           <p:grpSpPr>
             <a:xfrm>
               <a:off x="3556227" y="879637"/>
-              <a:ext cx="3243407" cy="1715465"/>
+              <a:ext cx="3243407" cy="1587966"/>
               <a:chOff x="3556227" y="879637"/>
-              <a:chExt cx="3243407" cy="1715465"/>
+              <a:chExt cx="3243407" cy="1587966"/>
             </a:xfrm>
           </p:grpSpPr>
           <p:cxnSp>
             <p:nvCxnSpPr>
               <p:cNvPr id="844" name="Straight Connector 843"/>
-              <p:cNvCxnSpPr/>
+              <p:cNvCxnSpPr>
+                <a:stCxn id="109" idx="6"/>
+              </p:cNvCxnSpPr>
               <p:nvPr/>
             </p:nvCxnSpPr>
             <p:spPr>
               <a:xfrm flipV="1">
-                <a:off x="5843981" y="1531578"/>
-                <a:ext cx="955653" cy="1"/>
+                <a:off x="5827206" y="1531578"/>
+                <a:ext cx="972428" cy="4539"/>
               </a:xfrm>
               <a:prstGeom prst="line">
                 <a:avLst/>
@@ -4244,8 +4009,8 @@
               </a:fontRef>
             </p:style>
           </p:cxnSp>
-          <mc:AlternateContent xmlns:mc="http://schemas.openxmlformats.org/markup-compatibility/2006">
-            <mc:Choice xmlns:a14="http://schemas.microsoft.com/office/drawing/2010/main" Requires="a14">
+          <mc:AlternateContent xmlns:mc="http://schemas.openxmlformats.org/markup-compatibility/2006" xmlns:a14="http://schemas.microsoft.com/office/drawing/2010/main">
+            <mc:Choice Requires="a14">
               <p:sp>
                 <p:nvSpPr>
                   <p:cNvPr id="227" name="Rectangle 226"/>
@@ -4254,8 +4019,8 @@
                 </p:nvSpPr>
                 <p:spPr>
                   <a:xfrm>
-                    <a:off x="3610985" y="879637"/>
-                    <a:ext cx="477951" cy="369332"/>
+                    <a:off x="3610984" y="879637"/>
+                    <a:ext cx="346267" cy="285587"/>
                   </a:xfrm>
                   <a:prstGeom prst="rect">
                     <a:avLst/>
@@ -4277,14 +4042,14 @@
                           <m:sSub>
                             <m:sSubPr>
                               <m:ctrlPr>
-                                <a:rPr lang="en-US" b="0" i="1" smtClean="0">
-                                  <a:latin typeface="Cambria Math"/>
+                                <a:rPr lang="en-US" sz="2800" i="1">
+                                  <a:latin typeface="Cambria Math" panose="02040503050406030204" pitchFamily="18" charset="0"/>
                                 </a:rPr>
                               </m:ctrlPr>
                             </m:sSubPr>
                             <m:e>
                               <m:r>
-                                <a:rPr lang="en-US" b="0" i="1" smtClean="0">
+                                <a:rPr lang="en-US" sz="2800" i="1">
                                   <a:latin typeface="Cambria Math" panose="02040503050406030204" pitchFamily="18" charset="0"/>
                                 </a:rPr>
                                 <m:t>𝑢</m:t>
@@ -4292,7 +4057,7 @@
                             </m:e>
                             <m:sub>
                               <m:r>
-                                <a:rPr lang="en-US" b="0" i="1" smtClean="0">
+                                <a:rPr lang="en-US" sz="2800" i="1">
                                   <a:latin typeface="Cambria Math" panose="02040503050406030204" pitchFamily="18" charset="0"/>
                                 </a:rPr>
                                 <m:t>0</m:t>
@@ -4302,12 +4067,12 @@
                         </m:oMath>
                       </m:oMathPara>
                     </a14:m>
-                    <a:endParaRPr lang="en-US" dirty="0"/>
+                    <a:endParaRPr lang="en-US" sz="2800" dirty="0"/>
                   </a:p>
                 </p:txBody>
               </p:sp>
             </mc:Choice>
-            <mc:Fallback>
+            <mc:Fallback xmlns="">
               <p:sp>
                 <p:nvSpPr>
                   <p:cNvPr id="227" name="Rectangle 226"/>
@@ -4346,8 +4111,8 @@
               </p:sp>
             </mc:Fallback>
           </mc:AlternateContent>
-          <mc:AlternateContent xmlns:mc="http://schemas.openxmlformats.org/markup-compatibility/2006">
-            <mc:Choice xmlns:a14="http://schemas.microsoft.com/office/drawing/2010/main" Requires="a14">
+          <mc:AlternateContent xmlns:mc="http://schemas.openxmlformats.org/markup-compatibility/2006" xmlns:a14="http://schemas.microsoft.com/office/drawing/2010/main">
+            <mc:Choice Requires="a14">
               <p:sp>
                 <p:nvSpPr>
                   <p:cNvPr id="228" name="Rectangle 227"/>
@@ -4357,7 +4122,7 @@
                 <p:spPr>
                   <a:xfrm>
                     <a:off x="3600311" y="1349035"/>
-                    <a:ext cx="477951" cy="369332"/>
+                    <a:ext cx="341794" cy="285587"/>
                   </a:xfrm>
                   <a:prstGeom prst="rect">
                     <a:avLst/>
@@ -4379,14 +4144,14 @@
                           <m:sSub>
                             <m:sSubPr>
                               <m:ctrlPr>
-                                <a:rPr lang="en-US" b="0" i="1" smtClean="0">
-                                  <a:latin typeface="Cambria Math"/>
+                                <a:rPr lang="en-US" sz="2800" i="1">
+                                  <a:latin typeface="Cambria Math" panose="02040503050406030204" pitchFamily="18" charset="0"/>
                                 </a:rPr>
                               </m:ctrlPr>
                             </m:sSubPr>
                             <m:e>
                               <m:r>
-                                <a:rPr lang="en-US" b="0" i="1" smtClean="0">
+                                <a:rPr lang="en-US" sz="2800" i="1">
                                   <a:latin typeface="Cambria Math" panose="02040503050406030204" pitchFamily="18" charset="0"/>
                                 </a:rPr>
                                 <m:t>𝑢</m:t>
@@ -4394,7 +4159,7 @@
                             </m:e>
                             <m:sub>
                               <m:r>
-                                <a:rPr lang="en-US" b="0" i="1" smtClean="0">
+                                <a:rPr lang="en-US" sz="2800" i="1">
                                   <a:latin typeface="Cambria Math" panose="02040503050406030204" pitchFamily="18" charset="0"/>
                                 </a:rPr>
                                 <m:t>1</m:t>
@@ -4404,12 +4169,12 @@
                         </m:oMath>
                       </m:oMathPara>
                     </a14:m>
-                    <a:endParaRPr lang="en-US" dirty="0"/>
+                    <a:endParaRPr lang="en-US" sz="2800" dirty="0"/>
                   </a:p>
                 </p:txBody>
               </p:sp>
             </mc:Choice>
-            <mc:Fallback>
+            <mc:Fallback xmlns="">
               <p:sp>
                 <p:nvSpPr>
                   <p:cNvPr id="228" name="Rectangle 227"/>
@@ -4448,8 +4213,8 @@
               </p:sp>
             </mc:Fallback>
           </mc:AlternateContent>
-          <mc:AlternateContent xmlns:mc="http://schemas.openxmlformats.org/markup-compatibility/2006">
-            <mc:Choice xmlns:a14="http://schemas.microsoft.com/office/drawing/2010/main" Requires="a14">
+          <mc:AlternateContent xmlns:mc="http://schemas.openxmlformats.org/markup-compatibility/2006" xmlns:a14="http://schemas.microsoft.com/office/drawing/2010/main">
+            <mc:Choice Requires="a14">
               <p:sp>
                 <p:nvSpPr>
                   <p:cNvPr id="229" name="Rectangle 228"/>
@@ -4458,8 +4223,8 @@
                 </p:nvSpPr>
                 <p:spPr>
                   <a:xfrm>
-                    <a:off x="3556227" y="2153626"/>
-                    <a:ext cx="566117" cy="369332"/>
+                    <a:off x="3556227" y="2153627"/>
+                    <a:ext cx="428612" cy="285587"/>
                   </a:xfrm>
                   <a:prstGeom prst="rect">
                     <a:avLst/>
@@ -4481,14 +4246,14 @@
                           <m:sSub>
                             <m:sSubPr>
                               <m:ctrlPr>
-                                <a:rPr lang="en-US" b="0" i="1" smtClean="0">
-                                  <a:latin typeface="Cambria Math"/>
+                                <a:rPr lang="en-US" sz="2800" i="1" smtClean="0">
+                                  <a:latin typeface="Cambria Math" panose="02040503050406030204" pitchFamily="18" charset="0"/>
                                 </a:rPr>
                               </m:ctrlPr>
                             </m:sSubPr>
                             <m:e>
                               <m:r>
-                                <a:rPr lang="en-US" b="0" i="1" smtClean="0">
+                                <a:rPr lang="en-US" sz="2800" i="1">
                                   <a:latin typeface="Cambria Math" panose="02040503050406030204" pitchFamily="18" charset="0"/>
                                 </a:rPr>
                                 <m:t>𝑢</m:t>
@@ -4496,22 +4261,22 @@
                             </m:e>
                             <m:sub>
                               <m:r>
-                                <a:rPr lang="en-US" b="0" i="1" smtClean="0">
-                                  <a:latin typeface="Cambria Math"/>
+                                <a:rPr lang="en-US" sz="2800" b="0" i="1" smtClean="0">
+                                  <a:latin typeface="Cambria Math" panose="02040503050406030204" pitchFamily="18" charset="0"/>
                                 </a:rPr>
-                                <m:t>99</m:t>
+                                <m:t>48</m:t>
                               </m:r>
                             </m:sub>
                           </m:sSub>
                         </m:oMath>
                       </m:oMathPara>
                     </a14:m>
-                    <a:endParaRPr lang="en-US" dirty="0"/>
+                    <a:endParaRPr lang="en-US" sz="2800" dirty="0"/>
                   </a:p>
                 </p:txBody>
               </p:sp>
             </mc:Choice>
-            <mc:Fallback>
+            <mc:Fallback xmlns="">
               <p:sp>
                 <p:nvSpPr>
                   <p:cNvPr id="229" name="Rectangle 228"/>
@@ -4522,13 +4287,13 @@
                 </p:nvSpPr>
                 <p:spPr>
                   <a:xfrm>
-                    <a:off x="3556227" y="2153626"/>
-                    <a:ext cx="566117" cy="369332"/>
+                    <a:off x="3556227" y="2153627"/>
+                    <a:ext cx="428612" cy="285587"/>
                   </a:xfrm>
                   <a:prstGeom prst="rect">
                     <a:avLst/>
                   </a:prstGeom>
-                  <a:blipFill rotWithShape="1">
+                  <a:blipFill rotWithShape="0">
                     <a:blip r:embed="rId11"/>
                     <a:stretch>
                       <a:fillRect/>
@@ -4550,8 +4315,8 @@
               </p:sp>
             </mc:Fallback>
           </mc:AlternateContent>
-          <mc:AlternateContent xmlns:mc="http://schemas.openxmlformats.org/markup-compatibility/2006">
-            <mc:Choice xmlns:a14="http://schemas.microsoft.com/office/drawing/2010/main" Requires="a14">
+          <mc:AlternateContent xmlns:mc="http://schemas.openxmlformats.org/markup-compatibility/2006" xmlns:a14="http://schemas.microsoft.com/office/drawing/2010/main">
+            <mc:Choice Requires="a14">
               <p:sp>
                 <p:nvSpPr>
                   <p:cNvPr id="230" name="Rectangle 229"/>
@@ -4561,7 +4326,7 @@
                 <p:spPr>
                   <a:xfrm>
                     <a:off x="3632593" y="1813478"/>
-                    <a:ext cx="434734" cy="369332"/>
+                    <a:ext cx="434734" cy="285587"/>
                   </a:xfrm>
                   <a:prstGeom prst="rect">
                     <a:avLst/>
@@ -4581,7 +4346,7 @@
                         </m:oMathParaPr>
                         <m:oMath xmlns:m="http://schemas.openxmlformats.org/officeDocument/2006/math">
                           <m:r>
-                            <a:rPr lang="en-US" b="0" i="1" smtClean="0">
+                            <a:rPr lang="en-US" sz="2800" i="1">
                               <a:latin typeface="Cambria Math" panose="02040503050406030204" pitchFamily="18" charset="0"/>
                               <a:ea typeface="Cambria Math" panose="02040503050406030204" pitchFamily="18" charset="0"/>
                             </a:rPr>
@@ -4590,12 +4355,12 @@
                         </m:oMath>
                       </m:oMathPara>
                     </a14:m>
-                    <a:endParaRPr lang="en-US" dirty="0"/>
+                    <a:endParaRPr lang="en-US" sz="2800" dirty="0"/>
                   </a:p>
                 </p:txBody>
               </p:sp>
             </mc:Choice>
-            <mc:Fallback>
+            <mc:Fallback xmlns="">
               <p:sp>
                 <p:nvSpPr>
                   <p:cNvPr id="230" name="Rectangle 229"/>
@@ -4643,9 +4408,9 @@
               <p:nvPr/>
             </p:nvCxnSpPr>
             <p:spPr>
-              <a:xfrm flipV="1">
-                <a:off x="4078262" y="1531575"/>
-                <a:ext cx="782770" cy="2126"/>
+              <a:xfrm>
+                <a:off x="3942105" y="1491828"/>
+                <a:ext cx="918926" cy="39746"/>
               </a:xfrm>
               <a:prstGeom prst="straightConnector1">
                 <a:avLst/>
@@ -4682,8 +4447,8 @@
             </p:nvCxnSpPr>
             <p:spPr>
               <a:xfrm>
-                <a:off x="4088936" y="1064303"/>
-                <a:ext cx="772096" cy="467272"/>
+                <a:off x="3957251" y="1022430"/>
+                <a:ext cx="903780" cy="509146"/>
               </a:xfrm>
               <a:prstGeom prst="straightConnector1">
                 <a:avLst/>
@@ -4720,8 +4485,8 @@
             </p:nvCxnSpPr>
             <p:spPr>
               <a:xfrm flipV="1">
-                <a:off x="4122344" y="1531575"/>
-                <a:ext cx="738688" cy="806717"/>
+                <a:off x="3984839" y="1531581"/>
+                <a:ext cx="876197" cy="764839"/>
               </a:xfrm>
               <a:prstGeom prst="straightConnector1">
                 <a:avLst/>
@@ -4748,8 +4513,8 @@
               </a:fontRef>
             </p:style>
           </p:cxnSp>
-          <mc:AlternateContent xmlns:mc="http://schemas.openxmlformats.org/markup-compatibility/2006">
-            <mc:Choice xmlns:a14="http://schemas.microsoft.com/office/drawing/2010/main" Requires="a14">
+          <mc:AlternateContent xmlns:mc="http://schemas.openxmlformats.org/markup-compatibility/2006" xmlns:a14="http://schemas.microsoft.com/office/drawing/2010/main">
+            <mc:Choice Requires="a14">
               <p:sp>
                 <p:nvSpPr>
                   <p:cNvPr id="842" name="TextBox 841"/>
@@ -4758,8 +4523,8 @@
                 </p:nvSpPr>
                 <p:spPr>
                   <a:xfrm>
-                    <a:off x="6244043" y="1162716"/>
-                    <a:ext cx="317331" cy="298223"/>
+                    <a:off x="6244043" y="1227815"/>
+                    <a:ext cx="266349" cy="253144"/>
                   </a:xfrm>
                   <a:prstGeom prst="rect">
                     <a:avLst/>
@@ -4782,8 +4547,8 @@
                           <m:sSub>
                             <m:sSubPr>
                               <m:ctrlPr>
-                                <a:rPr lang="cy-GB" i="1" smtClean="0">
-                                  <a:latin typeface="Cambria Math"/>
+                                <a:rPr lang="cy-GB" sz="2800" i="1">
+                                  <a:latin typeface="Cambria Math" panose="02040503050406030204" pitchFamily="18" charset="0"/>
                                 </a:rPr>
                               </m:ctrlPr>
                             </m:sSubPr>
@@ -4792,20 +4557,20 @@
                                 <m:rPr>
                                   <m:nor/>
                                 </m:rPr>
-                                <a:rPr lang="cy-GB" smtClean="0"/>
+                                <a:rPr lang="cy-GB" sz="2800"/>
                                 <m:t>ŷ</m:t>
                               </m:r>
                               <m:r>
                                 <m:rPr>
                                   <m:nor/>
                                 </m:rPr>
-                                <a:rPr lang="en-US" dirty="0" smtClean="0"/>
+                                <a:rPr lang="en-US" sz="2800" dirty="0"/>
                                 <m:t> </m:t>
                               </m:r>
                             </m:e>
                             <m:sub>
                               <m:r>
-                                <a:rPr lang="en-US" b="0" i="1" smtClean="0">
+                                <a:rPr lang="en-US" sz="2800" i="1">
                                   <a:latin typeface="Cambria Math" panose="02040503050406030204" pitchFamily="18" charset="0"/>
                                 </a:rPr>
                                 <m:t>0</m:t>
@@ -4815,12 +4580,12 @@
                         </m:oMath>
                       </m:oMathPara>
                     </a14:m>
-                    <a:endParaRPr lang="en-US" dirty="0"/>
+                    <a:endParaRPr lang="en-US" sz="2800" dirty="0"/>
                   </a:p>
                 </p:txBody>
               </p:sp>
             </mc:Choice>
-            <mc:Fallback>
+            <mc:Fallback xmlns="">
               <p:sp>
                 <p:nvSpPr>
                   <p:cNvPr id="842" name="TextBox 841"/>
@@ -4831,16 +4596,16 @@
                 </p:nvSpPr>
                 <p:spPr>
                   <a:xfrm>
-                    <a:off x="6244043" y="1162716"/>
-                    <a:ext cx="317331" cy="298223"/>
+                    <a:off x="6244043" y="1227815"/>
+                    <a:ext cx="266349" cy="253144"/>
                   </a:xfrm>
                   <a:prstGeom prst="rect">
                     <a:avLst/>
                   </a:prstGeom>
-                  <a:blipFill rotWithShape="1">
+                  <a:blipFill rotWithShape="0">
                     <a:blip r:embed="rId13"/>
                     <a:stretch>
-                      <a:fillRect l="-23077" r="-7692" b="-20408"/>
+                      <a:fillRect/>
                     </a:stretch>
                   </a:blipFill>
                 </p:spPr>
@@ -4859,8 +4624,8 @@
               </p:sp>
             </mc:Fallback>
           </mc:AlternateContent>
-          <mc:AlternateContent xmlns:mc="http://schemas.openxmlformats.org/markup-compatibility/2006">
-            <mc:Choice xmlns:a14="http://schemas.microsoft.com/office/drawing/2010/main" Requires="a14">
+          <mc:AlternateContent xmlns:mc="http://schemas.openxmlformats.org/markup-compatibility/2006" xmlns:a14="http://schemas.microsoft.com/office/drawing/2010/main">
+            <mc:Choice Requires="a14">
               <p:sp>
                 <p:nvSpPr>
                   <p:cNvPr id="275" name="Rectangle 274"/>
@@ -4869,8 +4634,8 @@
                 </p:nvSpPr>
                 <p:spPr>
                   <a:xfrm>
-                    <a:off x="4429369" y="2225770"/>
-                    <a:ext cx="1676036" cy="369332"/>
+                    <a:off x="4667536" y="2182016"/>
+                    <a:ext cx="1356255" cy="285587"/>
                   </a:xfrm>
                   <a:prstGeom prst="rect">
                     <a:avLst/>
@@ -4890,19 +4655,19 @@
                         </m:oMathParaPr>
                         <m:oMath xmlns:m="http://schemas.openxmlformats.org/officeDocument/2006/math">
                           <m:r>
-                            <a:rPr lang="en-US" b="0" i="1" smtClean="0">
+                            <a:rPr lang="en-US" sz="2800" i="1">
                               <a:latin typeface="Cambria Math"/>
                             </a:rPr>
                             <m:t>𝑚𝑎𝑙𝑒</m:t>
                           </m:r>
                           <m:r>
-                            <a:rPr lang="en-US" b="0" i="1" smtClean="0">
+                            <a:rPr lang="en-US" sz="2800" i="1">
                               <a:latin typeface="Cambria Math"/>
                             </a:rPr>
                             <m:t> </m:t>
                           </m:r>
                           <m:r>
-                            <a:rPr lang="en-US" b="0" i="1" smtClean="0">
+                            <a:rPr lang="en-US" sz="2800" i="1">
                               <a:latin typeface="Cambria Math"/>
                             </a:rPr>
                             <m:t>𝑛𝑒𝑡𝑤𝑜𝑟𝑘</m:t>
@@ -4910,12 +4675,12 @@
                         </m:oMath>
                       </m:oMathPara>
                     </a14:m>
-                    <a:endParaRPr lang="en-US" dirty="0"/>
+                    <a:endParaRPr lang="en-US" sz="2800" dirty="0"/>
                   </a:p>
                 </p:txBody>
               </p:sp>
             </mc:Choice>
-            <mc:Fallback>
+            <mc:Fallback xmlns="">
               <p:sp>
                 <p:nvSpPr>
                   <p:cNvPr id="275" name="Rectangle 274"/>
@@ -4926,13 +4691,13 @@
                 </p:nvSpPr>
                 <p:spPr>
                   <a:xfrm>
-                    <a:off x="4429369" y="2225770"/>
-                    <a:ext cx="1676036" cy="369332"/>
+                    <a:off x="4667536" y="2182016"/>
+                    <a:ext cx="1356255" cy="285587"/>
                   </a:xfrm>
                   <a:prstGeom prst="rect">
                     <a:avLst/>
                   </a:prstGeom>
-                  <a:blipFill rotWithShape="1">
+                  <a:blipFill rotWithShape="0">
                     <a:blip r:embed="rId14"/>
                     <a:stretch>
                       <a:fillRect/>
@@ -4954,309 +4719,52 @@
               </p:sp>
             </mc:Fallback>
           </mc:AlternateContent>
-          <p:grpSp>
-            <p:nvGrpSpPr>
-              <p:cNvPr id="108" name="Group 107"/>
-              <p:cNvGrpSpPr/>
+          <p:sp>
+            <p:nvSpPr>
+              <p:cNvPr id="109" name="Oval 108"/>
+              <p:cNvSpPr/>
               <p:nvPr/>
-            </p:nvGrpSpPr>
-            <p:grpSpPr>
+            </p:nvSpPr>
+            <p:spPr>
               <a:xfrm>
                 <a:off x="4864123" y="1054575"/>
                 <a:ext cx="963083" cy="963083"/>
-                <a:chOff x="4944533" y="3685117"/>
-                <a:chExt cx="1659467" cy="1659467"/>
               </a:xfrm>
-            </p:grpSpPr>
-            <p:sp>
-              <p:nvSpPr>
-                <p:cNvPr id="109" name="Oval 108"/>
-                <p:cNvSpPr/>
-                <p:nvPr/>
-              </p:nvSpPr>
-              <p:spPr>
-                <a:xfrm>
-                  <a:off x="4944533" y="3685117"/>
-                  <a:ext cx="1659467" cy="1659467"/>
-                </a:xfrm>
-                <a:prstGeom prst="ellipse">
-                  <a:avLst/>
-                </a:prstGeom>
-                <a:noFill/>
-                <a:ln w="38100">
-                  <a:solidFill>
-                    <a:schemeClr val="tx1"/>
-                  </a:solidFill>
-                </a:ln>
-              </p:spPr>
-              <p:style>
-                <a:lnRef idx="2">
-                  <a:schemeClr val="accent1">
-                    <a:shade val="50000"/>
-                  </a:schemeClr>
-                </a:lnRef>
-                <a:fillRef idx="1">
-                  <a:schemeClr val="accent1"/>
-                </a:fillRef>
-                <a:effectRef idx="0">
-                  <a:schemeClr val="accent1"/>
-                </a:effectRef>
-                <a:fontRef idx="minor">
-                  <a:schemeClr val="lt1"/>
-                </a:fontRef>
-              </p:style>
-              <p:txBody>
-                <a:bodyPr rtlCol="0" anchor="ctr"/>
-                <a:lstStyle/>
-                <a:p>
-                  <a:pPr algn="ctr"/>
-                  <a:endParaRPr lang="en-US"/>
-                </a:p>
-              </p:txBody>
-            </p:sp>
-            <p:grpSp>
-              <p:nvGrpSpPr>
-                <p:cNvPr id="110" name="Group 109"/>
-                <p:cNvGrpSpPr/>
-                <p:nvPr/>
-              </p:nvGrpSpPr>
-              <p:grpSpPr>
-                <a:xfrm>
-                  <a:off x="5253830" y="4136215"/>
-                  <a:ext cx="1078437" cy="757275"/>
-                  <a:chOff x="5253830" y="4136215"/>
-                  <a:chExt cx="1078437" cy="757275"/>
-                </a:xfrm>
-              </p:grpSpPr>
-              <p:grpSp>
-                <p:nvGrpSpPr>
-                  <p:cNvPr id="111" name="Group 110"/>
-                  <p:cNvGrpSpPr/>
-                  <p:nvPr/>
-                </p:nvGrpSpPr>
-                <p:grpSpPr>
-                  <a:xfrm>
-                    <a:off x="5253830" y="4552039"/>
-                    <a:ext cx="476404" cy="341451"/>
-                    <a:chOff x="7296150" y="3594836"/>
-                    <a:chExt cx="660515" cy="253428"/>
-                  </a:xfrm>
-                </p:grpSpPr>
-                <p:sp>
-                  <p:nvSpPr>
-                    <p:cNvPr id="116" name="Arc 115"/>
-                    <p:cNvSpPr/>
-                    <p:nvPr/>
-                  </p:nvSpPr>
-                  <p:spPr>
-                    <a:xfrm rot="5400000">
-                      <a:off x="7528943" y="3420542"/>
-                      <a:ext cx="253428" cy="602016"/>
-                    </a:xfrm>
-                    <a:prstGeom prst="arc">
-                      <a:avLst>
-                        <a:gd name="adj1" fmla="val 16347473"/>
-                        <a:gd name="adj2" fmla="val 0"/>
-                      </a:avLst>
-                    </a:prstGeom>
-                    <a:ln w="38100">
-                      <a:solidFill>
-                        <a:schemeClr val="tx1"/>
-                      </a:solidFill>
-                    </a:ln>
-                  </p:spPr>
-                  <p:style>
-                    <a:lnRef idx="1">
-                      <a:schemeClr val="accent1"/>
-                    </a:lnRef>
-                    <a:fillRef idx="0">
-                      <a:schemeClr val="accent1"/>
-                    </a:fillRef>
-                    <a:effectRef idx="0">
-                      <a:schemeClr val="accent1"/>
-                    </a:effectRef>
-                    <a:fontRef idx="minor">
-                      <a:schemeClr val="tx1"/>
-                    </a:fontRef>
-                  </p:style>
-                  <p:txBody>
-                    <a:bodyPr rtlCol="0" anchor="ctr"/>
-                    <a:lstStyle/>
-                    <a:p>
-                      <a:pPr algn="ctr"/>
-                      <a:endParaRPr lang="en-US"/>
-                    </a:p>
-                  </p:txBody>
-                </p:sp>
-                <p:cxnSp>
-                  <p:nvCxnSpPr>
-                    <p:cNvPr id="117" name="Straight Connector 116"/>
-                    <p:cNvCxnSpPr/>
-                    <p:nvPr/>
-                  </p:nvCxnSpPr>
-                  <p:spPr>
-                    <a:xfrm flipH="1">
-                      <a:off x="7296150" y="3848264"/>
-                      <a:ext cx="372322" cy="0"/>
-                    </a:xfrm>
-                    <a:prstGeom prst="line">
-                      <a:avLst/>
-                    </a:prstGeom>
-                    <a:ln w="38100">
-                      <a:solidFill>
-                        <a:schemeClr val="tx1"/>
-                      </a:solidFill>
-                    </a:ln>
-                  </p:spPr>
-                  <p:style>
-                    <a:lnRef idx="1">
-                      <a:schemeClr val="accent1"/>
-                    </a:lnRef>
-                    <a:fillRef idx="0">
-                      <a:schemeClr val="accent1"/>
-                    </a:fillRef>
-                    <a:effectRef idx="0">
-                      <a:schemeClr val="accent1"/>
-                    </a:effectRef>
-                    <a:fontRef idx="minor">
-                      <a:schemeClr val="tx1"/>
-                    </a:fontRef>
-                  </p:style>
-                </p:cxnSp>
-              </p:grpSp>
-              <p:grpSp>
-                <p:nvGrpSpPr>
-                  <p:cNvPr id="112" name="Group 111"/>
-                  <p:cNvGrpSpPr/>
-                  <p:nvPr/>
-                </p:nvGrpSpPr>
-                <p:grpSpPr>
-                  <a:xfrm rot="10800000">
-                    <a:off x="5872624" y="4136215"/>
-                    <a:ext cx="459643" cy="341452"/>
-                    <a:chOff x="7296150" y="3594835"/>
-                    <a:chExt cx="637276" cy="253429"/>
-                  </a:xfrm>
-                </p:grpSpPr>
-                <p:sp>
-                  <p:nvSpPr>
-                    <p:cNvPr id="114" name="Arc 113"/>
-                    <p:cNvSpPr/>
-                    <p:nvPr/>
-                  </p:nvSpPr>
-                  <p:spPr>
-                    <a:xfrm rot="5400000">
-                      <a:off x="7505704" y="3420541"/>
-                      <a:ext cx="253428" cy="602016"/>
-                    </a:xfrm>
-                    <a:prstGeom prst="arc">
-                      <a:avLst>
-                        <a:gd name="adj1" fmla="val 16347473"/>
-                        <a:gd name="adj2" fmla="val 0"/>
-                      </a:avLst>
-                    </a:prstGeom>
-                    <a:ln w="38100">
-                      <a:solidFill>
-                        <a:schemeClr val="tx1"/>
-                      </a:solidFill>
-                    </a:ln>
-                  </p:spPr>
-                  <p:style>
-                    <a:lnRef idx="1">
-                      <a:schemeClr val="accent1"/>
-                    </a:lnRef>
-                    <a:fillRef idx="0">
-                      <a:schemeClr val="accent1"/>
-                    </a:fillRef>
-                    <a:effectRef idx="0">
-                      <a:schemeClr val="accent1"/>
-                    </a:effectRef>
-                    <a:fontRef idx="minor">
-                      <a:schemeClr val="tx1"/>
-                    </a:fontRef>
-                  </p:style>
-                  <p:txBody>
-                    <a:bodyPr rtlCol="0" anchor="ctr"/>
-                    <a:lstStyle/>
-                    <a:p>
-                      <a:pPr algn="ctr"/>
-                      <a:endParaRPr lang="en-US"/>
-                    </a:p>
-                  </p:txBody>
-                </p:sp>
-                <p:cxnSp>
-                  <p:nvCxnSpPr>
-                    <p:cNvPr id="115" name="Straight Connector 114"/>
-                    <p:cNvCxnSpPr/>
-                    <p:nvPr/>
-                  </p:nvCxnSpPr>
-                  <p:spPr>
-                    <a:xfrm flipH="1">
-                      <a:off x="7296150" y="3848264"/>
-                      <a:ext cx="372322" cy="0"/>
-                    </a:xfrm>
-                    <a:prstGeom prst="line">
-                      <a:avLst/>
-                    </a:prstGeom>
-                    <a:ln w="38100">
-                      <a:solidFill>
-                        <a:schemeClr val="tx1"/>
-                      </a:solidFill>
-                    </a:ln>
-                  </p:spPr>
-                  <p:style>
-                    <a:lnRef idx="1">
-                      <a:schemeClr val="accent1"/>
-                    </a:lnRef>
-                    <a:fillRef idx="0">
-                      <a:schemeClr val="accent1"/>
-                    </a:fillRef>
-                    <a:effectRef idx="0">
-                      <a:schemeClr val="accent1"/>
-                    </a:effectRef>
-                    <a:fontRef idx="minor">
-                      <a:schemeClr val="tx1"/>
-                    </a:fontRef>
-                  </p:style>
-                </p:cxnSp>
-              </p:grpSp>
-              <p:cxnSp>
-                <p:nvCxnSpPr>
-                  <p:cNvPr id="113" name="Straight Connector 112"/>
-                  <p:cNvCxnSpPr/>
-                  <p:nvPr/>
-                </p:nvCxnSpPr>
-                <p:spPr>
-                  <a:xfrm flipH="1">
-                    <a:off x="5726799" y="4249138"/>
-                    <a:ext cx="144138" cy="508264"/>
-                  </a:xfrm>
-                  <a:prstGeom prst="line">
-                    <a:avLst/>
-                  </a:prstGeom>
-                  <a:ln w="38100">
-                    <a:solidFill>
-                      <a:schemeClr val="tx1"/>
-                    </a:solidFill>
-                  </a:ln>
-                </p:spPr>
-                <p:style>
-                  <a:lnRef idx="1">
-                    <a:schemeClr val="accent1"/>
-                  </a:lnRef>
-                  <a:fillRef idx="0">
-                    <a:schemeClr val="accent1"/>
-                  </a:fillRef>
-                  <a:effectRef idx="0">
-                    <a:schemeClr val="accent1"/>
-                  </a:effectRef>
-                  <a:fontRef idx="minor">
-                    <a:schemeClr val="tx1"/>
-                  </a:fontRef>
-                </p:style>
-              </p:cxnSp>
-            </p:grpSp>
-          </p:grpSp>
+              <a:prstGeom prst="ellipse">
+                <a:avLst/>
+              </a:prstGeom>
+              <a:noFill/>
+              <a:ln w="38100">
+                <a:solidFill>
+                  <a:schemeClr val="tx1"/>
+                </a:solidFill>
+              </a:ln>
+            </p:spPr>
+            <p:style>
+              <a:lnRef idx="2">
+                <a:schemeClr val="accent1">
+                  <a:shade val="50000"/>
+                </a:schemeClr>
+              </a:lnRef>
+              <a:fillRef idx="1">
+                <a:schemeClr val="accent1"/>
+              </a:fillRef>
+              <a:effectRef idx="0">
+                <a:schemeClr val="accent1"/>
+              </a:effectRef>
+              <a:fontRef idx="minor">
+                <a:schemeClr val="lt1"/>
+              </a:fontRef>
+            </p:style>
+            <p:txBody>
+              <a:bodyPr rtlCol="0" anchor="ctr"/>
+              <a:lstStyle/>
+              <a:p>
+                <a:pPr algn="ctr"/>
+                <a:endParaRPr lang="en-US" sz="2800"/>
+              </a:p>
+            </p:txBody>
+          </p:sp>
         </p:grpSp>
       </p:grpSp>
     </p:spTree>
@@ -5269,13 +4777,20 @@
   <p:clrMapOvr>
     <a:masterClrMapping/>
   </p:clrMapOvr>
+  <p:timing>
+    <p:tnLst>
+      <p:par>
+        <p:cTn id="1" dur="indefinite" restart="never" nodeType="tmRoot"/>
+      </p:par>
+    </p:tnLst>
+  </p:timing>
 </p:sld>
 </file>
 
 <file path=ppt/theme/theme1.xml><?xml version="1.0" encoding="utf-8"?>
 <a:theme xmlns:a="http://schemas.openxmlformats.org/drawingml/2006/main" name="Office Theme">
   <a:themeElements>
-    <a:clrScheme name="Office">
+    <a:clrScheme name="Office Theme">
       <a:dk1>
         <a:sysClr val="windowText" lastClr="000000"/>
       </a:dk1>
@@ -5313,7 +4828,7 @@
         <a:srgbClr val="954F72"/>
       </a:folHlink>
     </a:clrScheme>
-    <a:fontScheme name="Office">
+    <a:fontScheme name="Office Theme">
       <a:majorFont>
         <a:latin typeface="Calibri Light" panose="020F0302020204030204"/>
         <a:ea typeface=""/>
@@ -5385,7 +4900,7 @@
         <a:font script="Geor" typeface="Sylfaen"/>
       </a:minorFont>
     </a:fontScheme>
-    <a:fmtScheme name="Office">
+    <a:fmtScheme name="Office Theme">
       <a:fillStyleLst>
         <a:solidFill>
           <a:schemeClr val="phClr"/>
@@ -5527,7 +5042,7 @@
   <a:extraClrSchemeLst/>
   <a:extLst>
     <a:ext uri="{05A4C25C-085E-4340-85A3-A5531E510DB2}">
-      <thm15:themeFamily xmlns="" xmlns:thm15="http://schemas.microsoft.com/office/thememl/2012/main" name="Office Theme" id="{62F939B6-93AF-4DB8-9C6B-D6C7DFDC589F}" vid="{4A3C46E8-61CC-4603-A589-7422A47A8E4A}"/>
+      <thm15:themeFamily xmlns:thm15="http://schemas.microsoft.com/office/thememl/2012/main" name="Office Theme" id="{62F939B6-93AF-4DB8-9C6B-D6C7DFDC589F}" vid="{4A3C46E8-61CC-4603-A589-7422A47A8E4A}"/>
     </a:ext>
   </a:extLst>
 </a:theme>
